--- a/Project Documents/Spring 2025/PICA poster.pptx
+++ b/Project Documents/Spring 2025/PICA poster.pptx
@@ -1030,76 +1030,53 @@
             </a:lvl1pPr>
           </a:lstStyle>
           <a:p>
-            <a:pPr marL="1645920" marR="0" lvl="0" indent="-1645920" algn="ctr" defTabSz="4389120" rtl="0" eaLnBrk="1" fontAlgn="auto" latinLnBrk="0" hangingPunct="1">
-              <a:lnSpc>
-                <a:spcPct val="100000"/>
-              </a:lnSpc>
-              <a:spcBef>
-                <a:spcPct val="20000"/>
-              </a:spcBef>
-              <a:spcAft>
-                <a:spcPts val="0"/>
-              </a:spcAft>
-              <a:buClrTx/>
-              <a:buSzTx/>
-              <a:buFont typeface="Arial" pitchFamily="34" charset="0"/>
-              <a:buNone/>
-              <a:tabLst/>
-              <a:defRPr/>
-            </a:pPr>
-            <a:endParaRPr kumimoji="0" lang="en-US" sz="6000" b="1" i="0" u="sng" strike="noStrike" kern="1200" cap="none" spc="0" normalizeH="0" baseline="0" noProof="0" dirty="0">
-              <a:ln>
-                <a:noFill/>
-              </a:ln>
-              <a:solidFill>
-                <a:schemeClr val="tx1"/>
-              </a:solidFill>
-              <a:effectLst/>
-              <a:uLnTx/>
-              <a:uFillTx/>
+            <a:pPr marR="0" lvl="0" algn="ctr" defTabSz="4389120" rtl="0" eaLnBrk="1" fontAlgn="auto" latinLnBrk="0" hangingPunct="1">
+              <a:lnSpc>
+                <a:spcPct val="100000"/>
+              </a:lnSpc>
+              <a:spcBef>
+                <a:spcPct val="20000"/>
+              </a:spcBef>
+              <a:spcAft>
+                <a:spcPts val="0"/>
+              </a:spcAft>
+              <a:buClrTx/>
+              <a:buSzTx/>
+              <a:tabLst/>
+              <a:defRPr/>
+            </a:pPr>
+            <a:endParaRPr lang="en-US" sz="6000" b="1" u="sng">
               <a:latin typeface="+mj-lt"/>
-              <a:ea typeface="+mn-ea"/>
-              <a:cs typeface="+mn-cs"/>
             </a:endParaRPr>
           </a:p>
           <a:p>
-            <a:pPr marL="1645920" marR="0" lvl="0" indent="-1645920" algn="ctr" defTabSz="4389120" rtl="0" eaLnBrk="1" fontAlgn="auto" latinLnBrk="0" hangingPunct="1">
-              <a:lnSpc>
-                <a:spcPct val="100000"/>
-              </a:lnSpc>
-              <a:spcBef>
-                <a:spcPct val="20000"/>
-              </a:spcBef>
-              <a:spcAft>
-                <a:spcPts val="0"/>
-              </a:spcAft>
-              <a:buClrTx/>
-              <a:buSzTx/>
-              <a:buFont typeface="Arial" pitchFamily="34" charset="0"/>
-              <a:buNone/>
-              <a:tabLst/>
-              <a:defRPr/>
-            </a:pPr>
-            <a:r>
-              <a:rPr kumimoji="0" lang="en-US" sz="6000" b="1" i="0" u="sng" strike="noStrike" kern="1200" cap="none" spc="0" normalizeH="0" baseline="0" noProof="0" dirty="0">
-                <a:ln>
-                  <a:noFill/>
-                </a:ln>
-                <a:solidFill>
-                  <a:schemeClr val="tx1"/>
-                </a:solidFill>
-                <a:effectLst/>
-                <a:uLnTx/>
-                <a:uFillTx/>
-                <a:latin typeface="+mj-lt"/>
-                <a:ea typeface="+mn-ea"/>
-                <a:cs typeface="+mn-cs"/>
+            <a:pPr marR="0" lvl="0" algn="ctr" defTabSz="4389120" rtl="0" eaLnBrk="1" fontAlgn="auto" latinLnBrk="0" hangingPunct="1">
+              <a:lnSpc>
+                <a:spcPct val="100000"/>
+              </a:lnSpc>
+              <a:spcBef>
+                <a:spcPct val="20000"/>
+              </a:spcBef>
+              <a:spcAft>
+                <a:spcPts val="0"/>
+              </a:spcAft>
+              <a:buClrTx/>
+              <a:buSzTx/>
+              <a:tabLst/>
+              <a:defRPr/>
+            </a:pPr>
+            <a:r>
+              <a:rPr lang="en-US" sz="6000" b="1" u="sng">
+                <a:latin typeface="+mj-lt"/>
               </a:rPr>
-              <a:t>Features/Functionality</a:t>
-            </a:r>
-          </a:p>
-          <a:p>
-            <a:pPr marL="1645920" marR="0" lvl="0" indent="-1645920" algn="ctr" defTabSz="4389120" rtl="0" eaLnBrk="1" fontAlgn="auto" latinLnBrk="0" hangingPunct="1">
+              <a:t>Solution</a:t>
+            </a:r>
+            <a:endParaRPr lang="en-US" sz="6000" b="1" u="sng" dirty="0">
+              <a:latin typeface="+mj-lt"/>
+            </a:endParaRPr>
+          </a:p>
+          <a:p>
+            <a:pPr marL="857250" marR="0" lvl="0" indent="-857250" algn="ctr" defTabSz="4389120" rtl="0" eaLnBrk="1" fontAlgn="auto" latinLnBrk="0" hangingPunct="1">
               <a:lnSpc>
                 <a:spcPct val="100000"/>
               </a:lnSpc>
@@ -1131,17 +1108,11 @@
                 <a:ea typeface="+mn-ea"/>
                 <a:cs typeface="+mn-cs"/>
               </a:rPr>
-              <a:t>Automatic</a:t>
-            </a:r>
-            <a:r>
-              <a:rPr lang="en-US" sz="6000" dirty="0">
-                <a:latin typeface="+mj-lt"/>
-              </a:rPr>
-              <a:t>ally sends PICA results report to user’s email</a:t>
-            </a:r>
-          </a:p>
-          <a:p>
-            <a:pPr marL="1645920" marR="0" lvl="0" indent="-1645920" algn="ctr" defTabSz="4389120" rtl="0" eaLnBrk="1" fontAlgn="auto" latinLnBrk="0" hangingPunct="1">
+              <a:t>PICA (Person in Context Assessment) measures the personality structure of the user and utilizes Flask to produce the feedback report</a:t>
+            </a:r>
+          </a:p>
+          <a:p>
+            <a:pPr marL="857250" marR="0" lvl="0" indent="-857250" algn="ctr" defTabSz="4389120" rtl="0" eaLnBrk="1" fontAlgn="auto" latinLnBrk="0" hangingPunct="1">
               <a:lnSpc>
                 <a:spcPct val="100000"/>
               </a:lnSpc>
@@ -1173,11 +1144,42 @@
                 <a:ea typeface="+mn-ea"/>
                 <a:cs typeface="+mn-cs"/>
               </a:rPr>
-              <a:t>Allow users to opt in for certain parts of the assessment</a:t>
-            </a:r>
-          </a:p>
-          <a:p>
-            <a:pPr marL="1645920" marR="0" lvl="0" indent="-1645920" algn="ctr" defTabSz="4389120" rtl="0" eaLnBrk="1" fontAlgn="auto" latinLnBrk="0" hangingPunct="1">
+              <a:t>Mobile app allows </a:t>
+            </a:r>
+            <a:r>
+              <a:rPr lang="en-US" sz="6000" dirty="0">
+                <a:latin typeface="+mj-lt"/>
+              </a:rPr>
+              <a:t>doctor to monitor the patient’s temperament as well as their daily emotional events</a:t>
+            </a:r>
+          </a:p>
+          <a:p>
+            <a:pPr marL="857250" marR="0" lvl="0" indent="-857250" algn="ctr" defTabSz="4389120" rtl="0" eaLnBrk="1" fontAlgn="auto" latinLnBrk="0" hangingPunct="1">
+              <a:lnSpc>
+                <a:spcPct val="100000"/>
+              </a:lnSpc>
+              <a:spcBef>
+                <a:spcPct val="20000"/>
+              </a:spcBef>
+              <a:spcAft>
+                <a:spcPts val="0"/>
+              </a:spcAft>
+              <a:buClrTx/>
+              <a:buSzTx/>
+              <a:buFont typeface="Arial" panose="020B0604020202020204" pitchFamily="34" charset="0"/>
+              <a:buChar char="•"/>
+              <a:tabLst/>
+              <a:defRPr/>
+            </a:pPr>
+            <a:r>
+              <a:rPr lang="en-US" sz="6000" dirty="0">
+                <a:latin typeface="+mj-lt"/>
+              </a:rPr>
+              <a:t> App allows users to reflect if their situational “if” produces a coherent “then” pattern of thinking, feeling, and behaving.</a:t>
+            </a:r>
+          </a:p>
+          <a:p>
+            <a:pPr marL="857250" marR="0" lvl="0" indent="-857250" algn="ctr" defTabSz="4389120" rtl="0" eaLnBrk="1" fontAlgn="auto" latinLnBrk="0" hangingPunct="1">
               <a:lnSpc>
                 <a:spcPct val="100000"/>
               </a:lnSpc>
@@ -1209,41 +1211,8 @@
                 <a:ea typeface="+mn-ea"/>
                 <a:cs typeface="+mn-cs"/>
               </a:rPr>
-              <a:t>Allow edits to the emotional situations in the mobile app</a:t>
-            </a:r>
-          </a:p>
-          <a:p>
-            <a:pPr marL="1645920" marR="0" lvl="0" indent="-1645920" algn="ctr" defTabSz="4389120" rtl="0" eaLnBrk="1" fontAlgn="auto" latinLnBrk="0" hangingPunct="1">
-              <a:lnSpc>
-                <a:spcPct val="100000"/>
-              </a:lnSpc>
-              <a:spcBef>
-                <a:spcPct val="20000"/>
-              </a:spcBef>
-              <a:spcAft>
-                <a:spcPts val="0"/>
-              </a:spcAft>
-              <a:buClrTx/>
-              <a:buSzTx/>
-              <a:buFont typeface="Arial" panose="020B0604020202020204" pitchFamily="34" charset="0"/>
-              <a:buChar char="•"/>
-              <a:tabLst/>
-              <a:defRPr/>
-            </a:pPr>
-            <a:endParaRPr kumimoji="0" lang="en-US" sz="6000" i="0" strike="noStrike" kern="1200" cap="none" spc="0" normalizeH="0" baseline="0" noProof="0" dirty="0">
-              <a:ln>
-                <a:noFill/>
-              </a:ln>
-              <a:solidFill>
-                <a:schemeClr val="tx1"/>
-              </a:solidFill>
-              <a:effectLst/>
-              <a:uLnTx/>
-              <a:uFillTx/>
-              <a:latin typeface="+mj-lt"/>
-              <a:ea typeface="+mn-ea"/>
-              <a:cs typeface="+mn-cs"/>
-            </a:endParaRPr>
+              <a:t>The user can group each emotional event into categories</a:t>
+            </a:r>
           </a:p>
         </p:txBody>
       </p:sp>
@@ -1345,23 +1314,75 @@
               <a:tabLst/>
               <a:defRPr/>
             </a:pPr>
+            <a:r>
+              <a:rPr lang="en-US" sz="6000" dirty="0">
+                <a:latin typeface="+mj-lt"/>
+              </a:rPr>
+              <a:t>Digital solution to advance mental health treatment</a:t>
+            </a:r>
+          </a:p>
+          <a:p>
+            <a:pPr marL="857250" marR="0" lvl="0" indent="-857250" algn="ctr" defTabSz="4389120" rtl="0" eaLnBrk="1" fontAlgn="auto" latinLnBrk="0" hangingPunct="1">
+              <a:lnSpc>
+                <a:spcPct val="100000"/>
+              </a:lnSpc>
+              <a:spcBef>
+                <a:spcPct val="20000"/>
+              </a:spcBef>
+              <a:spcAft>
+                <a:spcPts val="0"/>
+              </a:spcAft>
+              <a:buClrTx/>
+              <a:buSzTx/>
+              <a:buFont typeface="Arial" panose="020B0604020202020204" pitchFamily="34" charset="0"/>
+              <a:buChar char="•"/>
+              <a:tabLst/>
+              <a:defRPr/>
+            </a:pPr>
+            <a:r>
+              <a:rPr lang="en-US" sz="6000" dirty="0">
+                <a:latin typeface="+mj-lt"/>
+              </a:rPr>
+              <a:t>Tool to gather more data about how temperament affects treatment response</a:t>
+            </a:r>
+          </a:p>
+          <a:p>
+            <a:pPr marL="857250" marR="0" lvl="0" indent="-857250" algn="ctr" defTabSz="4389120" rtl="0" eaLnBrk="1" fontAlgn="auto" latinLnBrk="0" hangingPunct="1">
+              <a:lnSpc>
+                <a:spcPct val="100000"/>
+              </a:lnSpc>
+              <a:spcBef>
+                <a:spcPct val="20000"/>
+              </a:spcBef>
+              <a:spcAft>
+                <a:spcPts val="0"/>
+              </a:spcAft>
+              <a:buClrTx/>
+              <a:buSzTx/>
+              <a:buFont typeface="Arial" panose="020B0604020202020204" pitchFamily="34" charset="0"/>
+              <a:buChar char="•"/>
+              <a:tabLst/>
+              <a:defRPr/>
+            </a:pPr>
             <a:endParaRPr lang="en-US" sz="6000" dirty="0">
               <a:latin typeface="+mj-lt"/>
             </a:endParaRPr>
           </a:p>
           <a:p>
-            <a:pPr marR="0" lvl="0" algn="ctr" defTabSz="4389120" rtl="0" eaLnBrk="1" fontAlgn="auto" latinLnBrk="0" hangingPunct="1">
-              <a:lnSpc>
-                <a:spcPct val="100000"/>
-              </a:lnSpc>
-              <a:spcBef>
-                <a:spcPct val="20000"/>
-              </a:spcBef>
-              <a:spcAft>
-                <a:spcPts val="0"/>
-              </a:spcAft>
-              <a:buClrTx/>
-              <a:buSzTx/>
+            <a:pPr marL="857250" marR="0" lvl="0" indent="-857250" algn="ctr" defTabSz="4389120" rtl="0" eaLnBrk="1" fontAlgn="auto" latinLnBrk="0" hangingPunct="1">
+              <a:lnSpc>
+                <a:spcPct val="100000"/>
+              </a:lnSpc>
+              <a:spcBef>
+                <a:spcPct val="20000"/>
+              </a:spcBef>
+              <a:spcAft>
+                <a:spcPts val="0"/>
+              </a:spcAft>
+              <a:buClrTx/>
+              <a:buSzTx/>
+              <a:buFont typeface="Arial" panose="020B0604020202020204" pitchFamily="34" charset="0"/>
+              <a:buChar char="•"/>
               <a:tabLst/>
               <a:defRPr/>
             </a:pPr>
@@ -1370,18 +1391,20 @@
             </a:endParaRPr>
           </a:p>
           <a:p>
-            <a:pPr marR="0" lvl="0" algn="ctr" defTabSz="4389120" rtl="0" eaLnBrk="1" fontAlgn="auto" latinLnBrk="0" hangingPunct="1">
-              <a:lnSpc>
-                <a:spcPct val="100000"/>
-              </a:lnSpc>
-              <a:spcBef>
-                <a:spcPct val="20000"/>
-              </a:spcBef>
-              <a:spcAft>
-                <a:spcPts val="0"/>
-              </a:spcAft>
-              <a:buClrTx/>
-              <a:buSzTx/>
+            <a:pPr marL="857250" marR="0" lvl="0" indent="-857250" algn="ctr" defTabSz="4389120" rtl="0" eaLnBrk="1" fontAlgn="auto" latinLnBrk="0" hangingPunct="1">
+              <a:lnSpc>
+                <a:spcPct val="100000"/>
+              </a:lnSpc>
+              <a:spcBef>
+                <a:spcPct val="20000"/>
+              </a:spcBef>
+              <a:spcAft>
+                <a:spcPts val="0"/>
+              </a:spcAft>
+              <a:buClrTx/>
+              <a:buSzTx/>
+              <a:buFont typeface="Arial" panose="020B0604020202020204" pitchFamily="34" charset="0"/>
+              <a:buChar char="•"/>
               <a:tabLst/>
               <a:defRPr/>
             </a:pPr>
@@ -1390,6 +1413,192 @@
             </a:endParaRPr>
           </a:p>
           <a:p>
+            <a:pPr marL="1645920" marR="0" lvl="0" indent="-1645920" algn="ctr" defTabSz="4389120" rtl="0" eaLnBrk="1" fontAlgn="auto" latinLnBrk="0" hangingPunct="1">
+              <a:lnSpc>
+                <a:spcPct val="100000"/>
+              </a:lnSpc>
+              <a:spcBef>
+                <a:spcPct val="20000"/>
+              </a:spcBef>
+              <a:spcAft>
+                <a:spcPts val="0"/>
+              </a:spcAft>
+              <a:buClrTx/>
+              <a:buSzTx/>
+              <a:buFont typeface="Arial" pitchFamily="34" charset="0"/>
+              <a:buNone/>
+              <a:tabLst/>
+              <a:defRPr/>
+            </a:pPr>
+            <a:r>
+              <a:rPr kumimoji="0" lang="en-US" sz="6000" b="1" i="0" u="sng" strike="noStrike" kern="1200" cap="none" spc="0" normalizeH="0" baseline="0" noProof="0" dirty="0">
+                <a:ln>
+                  <a:noFill/>
+                </a:ln>
+                <a:solidFill>
+                  <a:schemeClr val="tx1"/>
+                </a:solidFill>
+                <a:effectLst/>
+                <a:uLnTx/>
+                <a:uFillTx/>
+                <a:latin typeface="+mj-lt"/>
+                <a:ea typeface="+mn-ea"/>
+                <a:cs typeface="+mn-cs"/>
+              </a:rPr>
+              <a:t>Features/Functionality</a:t>
+            </a:r>
+          </a:p>
+          <a:p>
+            <a:pPr marL="1645920" marR="0" lvl="0" indent="-1645920" algn="ctr" defTabSz="4389120" rtl="0" eaLnBrk="1" fontAlgn="auto" latinLnBrk="0" hangingPunct="1">
+              <a:lnSpc>
+                <a:spcPct val="100000"/>
+              </a:lnSpc>
+              <a:spcBef>
+                <a:spcPct val="20000"/>
+              </a:spcBef>
+              <a:spcAft>
+                <a:spcPts val="0"/>
+              </a:spcAft>
+              <a:buClrTx/>
+              <a:buSzTx/>
+              <a:buFont typeface="Arial" panose="020B0604020202020204" pitchFamily="34" charset="0"/>
+              <a:buChar char="•"/>
+              <a:tabLst/>
+              <a:defRPr/>
+            </a:pPr>
+            <a:r>
+              <a:rPr kumimoji="0" lang="en-US" sz="6000" i="0" strike="noStrike" kern="1200" cap="none" spc="0" normalizeH="0" baseline="0" noProof="0" dirty="0">
+                <a:ln>
+                  <a:noFill/>
+                </a:ln>
+                <a:solidFill>
+                  <a:schemeClr val="tx1"/>
+                </a:solidFill>
+                <a:effectLst/>
+                <a:uLnTx/>
+                <a:uFillTx/>
+                <a:latin typeface="+mj-lt"/>
+                <a:ea typeface="+mn-ea"/>
+                <a:cs typeface="+mn-cs"/>
+              </a:rPr>
+              <a:t>Automatic</a:t>
+            </a:r>
+            <a:r>
+              <a:rPr lang="en-US" sz="6000" dirty="0">
+                <a:latin typeface="+mj-lt"/>
+              </a:rPr>
+              <a:t>ally sends PICA results report to user’s email</a:t>
+            </a:r>
+          </a:p>
+          <a:p>
+            <a:pPr marL="1645920" marR="0" lvl="0" indent="-1645920" algn="ctr" defTabSz="4389120" rtl="0" eaLnBrk="1" fontAlgn="auto" latinLnBrk="0" hangingPunct="1">
+              <a:lnSpc>
+                <a:spcPct val="100000"/>
+              </a:lnSpc>
+              <a:spcBef>
+                <a:spcPct val="20000"/>
+              </a:spcBef>
+              <a:spcAft>
+                <a:spcPts val="0"/>
+              </a:spcAft>
+              <a:buClrTx/>
+              <a:buSzTx/>
+              <a:buFont typeface="Arial" panose="020B0604020202020204" pitchFamily="34" charset="0"/>
+              <a:buChar char="•"/>
+              <a:tabLst/>
+              <a:defRPr/>
+            </a:pPr>
+            <a:r>
+              <a:rPr kumimoji="0" lang="en-US" sz="6000" i="0" strike="noStrike" kern="1200" cap="none" spc="0" normalizeH="0" baseline="0" noProof="0" dirty="0">
+                <a:ln>
+                  <a:noFill/>
+                </a:ln>
+                <a:solidFill>
+                  <a:schemeClr val="tx1"/>
+                </a:solidFill>
+                <a:effectLst/>
+                <a:uLnTx/>
+                <a:uFillTx/>
+                <a:latin typeface="+mj-lt"/>
+                <a:ea typeface="+mn-ea"/>
+                <a:cs typeface="+mn-cs"/>
+              </a:rPr>
+              <a:t>Allow users to opt in for certain parts of the assessment</a:t>
+            </a:r>
+          </a:p>
+          <a:p>
+            <a:pPr marL="1645920" marR="0" lvl="0" indent="-1645920" algn="ctr" defTabSz="4389120" rtl="0" eaLnBrk="1" fontAlgn="auto" latinLnBrk="0" hangingPunct="1">
+              <a:lnSpc>
+                <a:spcPct val="100000"/>
+              </a:lnSpc>
+              <a:spcBef>
+                <a:spcPct val="20000"/>
+              </a:spcBef>
+              <a:spcAft>
+                <a:spcPts val="0"/>
+              </a:spcAft>
+              <a:buClrTx/>
+              <a:buSzTx/>
+              <a:buFont typeface="Arial" panose="020B0604020202020204" pitchFamily="34" charset="0"/>
+              <a:buChar char="•"/>
+              <a:tabLst/>
+              <a:defRPr/>
+            </a:pPr>
+            <a:r>
+              <a:rPr kumimoji="0" lang="en-US" sz="6000" i="0" strike="noStrike" kern="1200" cap="none" spc="0" normalizeH="0" baseline="0" noProof="0" dirty="0">
+                <a:ln>
+                  <a:noFill/>
+                </a:ln>
+                <a:solidFill>
+                  <a:schemeClr val="tx1"/>
+                </a:solidFill>
+                <a:effectLst/>
+                <a:uLnTx/>
+                <a:uFillTx/>
+                <a:latin typeface="+mj-lt"/>
+                <a:ea typeface="+mn-ea"/>
+                <a:cs typeface="+mn-cs"/>
+              </a:rPr>
+              <a:t>Allow edits to the emotional situations in the mobile app</a:t>
+            </a:r>
+          </a:p>
+          <a:p>
+            <a:pPr marL="1645920" marR="0" lvl="0" indent="-1645920" algn="ctr" defTabSz="4389120" rtl="0" eaLnBrk="1" fontAlgn="auto" latinLnBrk="0" hangingPunct="1">
+              <a:lnSpc>
+                <a:spcPct val="100000"/>
+              </a:lnSpc>
+              <a:spcBef>
+                <a:spcPct val="20000"/>
+              </a:spcBef>
+              <a:spcAft>
+                <a:spcPts val="0"/>
+              </a:spcAft>
+              <a:buClrTx/>
+              <a:buSzTx/>
+              <a:buFont typeface="Arial" panose="020B0604020202020204" pitchFamily="34" charset="0"/>
+              <a:buChar char="•"/>
+              <a:tabLst/>
+              <a:defRPr/>
+            </a:pPr>
+            <a:r>
+              <a:rPr kumimoji="0" lang="en-US" sz="6000" i="0" strike="noStrike" kern="1200" cap="none" spc="0" normalizeH="0" baseline="0" noProof="0" dirty="0">
+                <a:ln>
+                  <a:noFill/>
+                </a:ln>
+                <a:solidFill>
+                  <a:schemeClr val="tx1"/>
+                </a:solidFill>
+                <a:effectLst/>
+                <a:uLnTx/>
+                <a:uFillTx/>
+                <a:latin typeface="+mj-lt"/>
+                <a:ea typeface="+mn-ea"/>
+                <a:cs typeface="+mn-cs"/>
+              </a:rPr>
+              <a:t>Improved report layout for better understanding of results</a:t>
+            </a:r>
+          </a:p>
+          <a:p>
             <a:pPr marR="0" lvl="0" algn="ctr" defTabSz="4389120" rtl="0" eaLnBrk="1" fontAlgn="auto" latinLnBrk="0" hangingPunct="1">
               <a:lnSpc>
                 <a:spcPct val="100000"/>
@@ -1447,100 +1656,6 @@
             </a:pPr>
             <a:endParaRPr lang="en-US" sz="6000" dirty="0">
               <a:latin typeface="+mj-lt"/>
-            </a:endParaRPr>
-          </a:p>
-          <a:p>
-            <a:pPr marR="0" lvl="0" algn="ctr" defTabSz="4389120" rtl="0" eaLnBrk="1" fontAlgn="auto" latinLnBrk="0" hangingPunct="1">
-              <a:lnSpc>
-                <a:spcPct val="100000"/>
-              </a:lnSpc>
-              <a:spcBef>
-                <a:spcPct val="20000"/>
-              </a:spcBef>
-              <a:spcAft>
-                <a:spcPts val="0"/>
-              </a:spcAft>
-              <a:buClrTx/>
-              <a:buSzTx/>
-              <a:tabLst/>
-              <a:defRPr/>
-            </a:pPr>
-            <a:endParaRPr lang="en-US" sz="6000" dirty="0">
-              <a:latin typeface="+mj-lt"/>
-            </a:endParaRPr>
-          </a:p>
-          <a:p>
-            <a:pPr marR="0" lvl="0" algn="ctr" defTabSz="4389120" rtl="0" eaLnBrk="1" fontAlgn="auto" latinLnBrk="0" hangingPunct="1">
-              <a:lnSpc>
-                <a:spcPct val="100000"/>
-              </a:lnSpc>
-              <a:spcBef>
-                <a:spcPct val="20000"/>
-              </a:spcBef>
-              <a:spcAft>
-                <a:spcPts val="0"/>
-              </a:spcAft>
-              <a:buClrTx/>
-              <a:buSzTx/>
-              <a:tabLst/>
-              <a:defRPr/>
-            </a:pPr>
-            <a:endParaRPr lang="en-US" sz="6000" dirty="0">
-              <a:latin typeface="+mj-lt"/>
-            </a:endParaRPr>
-          </a:p>
-          <a:p>
-            <a:pPr marR="0" lvl="0" algn="ctr" defTabSz="4389120" rtl="0" eaLnBrk="1" fontAlgn="auto" latinLnBrk="0" hangingPunct="1">
-              <a:lnSpc>
-                <a:spcPct val="100000"/>
-              </a:lnSpc>
-              <a:spcBef>
-                <a:spcPct val="20000"/>
-              </a:spcBef>
-              <a:spcAft>
-                <a:spcPts val="0"/>
-              </a:spcAft>
-              <a:buClrTx/>
-              <a:buSzTx/>
-              <a:tabLst/>
-              <a:defRPr/>
-            </a:pPr>
-            <a:r>
-              <a:rPr lang="en-US" sz="6000" b="1" u="sng" dirty="0">
-                <a:latin typeface="+mj-lt"/>
-              </a:rPr>
-              <a:t>Solution</a:t>
-            </a:r>
-          </a:p>
-          <a:p>
-            <a:pPr marR="0" lvl="0" algn="ctr" defTabSz="4389120" rtl="0" eaLnBrk="1" fontAlgn="auto" latinLnBrk="0" hangingPunct="1">
-              <a:lnSpc>
-                <a:spcPct val="100000"/>
-              </a:lnSpc>
-              <a:spcBef>
-                <a:spcPct val="20000"/>
-              </a:spcBef>
-              <a:spcAft>
-                <a:spcPts val="0"/>
-              </a:spcAft>
-              <a:buClrTx/>
-              <a:buSzTx/>
-              <a:tabLst/>
-              <a:defRPr/>
-            </a:pPr>
-            <a:endParaRPr kumimoji="0" lang="en-US" sz="6000" i="0" strike="noStrike" kern="1200" cap="none" spc="0" normalizeH="0" baseline="0" noProof="0" dirty="0">
-              <a:ln>
-                <a:noFill/>
-              </a:ln>
-              <a:solidFill>
-                <a:schemeClr val="tx1"/>
-              </a:solidFill>
-              <a:effectLst/>
-              <a:uLnTx/>
-              <a:uFillTx/>
-              <a:latin typeface="+mj-lt"/>
-              <a:ea typeface="+mn-ea"/>
-              <a:cs typeface="+mn-cs"/>
             </a:endParaRPr>
           </a:p>
           <a:p>

--- a/Project Documents/Spring 2025/PICA poster.pptx
+++ b/Project Documents/Spring 2025/PICA poster.pptx
@@ -1007,7 +1007,7 @@
         <p:spPr>
           <a:xfrm>
             <a:off x="15049500" y="5257800"/>
-            <a:ext cx="13844016" cy="26746200"/>
+            <a:ext cx="13844016" cy="11887200"/>
           </a:xfrm>
           <a:prstGeom prst="rect">
             <a:avLst/>
@@ -1045,7 +1045,7 @@
               <a:tabLst/>
               <a:defRPr/>
             </a:pPr>
-            <a:endParaRPr lang="en-US" sz="6000" b="1" u="sng">
+            <a:endParaRPr lang="en-US" sz="6000" b="1" u="sng" dirty="0">
               <a:latin typeface="+mj-lt"/>
             </a:endParaRPr>
           </a:p>
@@ -1066,17 +1066,14 @@
               <a:defRPr/>
             </a:pPr>
             <a:r>
-              <a:rPr lang="en-US" sz="6000" b="1" u="sng">
+              <a:rPr lang="en-US" sz="6000" b="1" u="sng" dirty="0">
                 <a:latin typeface="+mj-lt"/>
               </a:rPr>
               <a:t>Solution</a:t>
             </a:r>
-            <a:endParaRPr lang="en-US" sz="6000" b="1" u="sng" dirty="0">
-              <a:latin typeface="+mj-lt"/>
-            </a:endParaRPr>
-          </a:p>
-          <a:p>
-            <a:pPr marL="857250" marR="0" lvl="0" indent="-857250" algn="ctr" defTabSz="4389120" rtl="0" eaLnBrk="1" fontAlgn="auto" latinLnBrk="0" hangingPunct="1">
+          </a:p>
+          <a:p>
+            <a:pPr marL="857250" marR="0" lvl="0" indent="-857250" algn="l" defTabSz="4389120" rtl="0" eaLnBrk="1" fontAlgn="auto" latinLnBrk="0" hangingPunct="1">
               <a:lnSpc>
                 <a:spcPct val="100000"/>
               </a:lnSpc>
@@ -1094,7 +1091,7 @@
               <a:defRPr/>
             </a:pPr>
             <a:r>
-              <a:rPr kumimoji="0" lang="en-US" sz="6000" i="0" strike="noStrike" kern="1200" cap="none" spc="0" normalizeH="0" baseline="0" noProof="0" dirty="0">
+              <a:rPr kumimoji="0" lang="en-US" sz="4800" i="0" strike="noStrike" kern="1200" cap="none" spc="0" normalizeH="0" baseline="0" noProof="0" dirty="0">
                 <a:ln>
                   <a:noFill/>
                 </a:ln>
@@ -1112,7 +1109,7 @@
             </a:r>
           </a:p>
           <a:p>
-            <a:pPr marL="857250" marR="0" lvl="0" indent="-857250" algn="ctr" defTabSz="4389120" rtl="0" eaLnBrk="1" fontAlgn="auto" latinLnBrk="0" hangingPunct="1">
+            <a:pPr marL="857250" marR="0" lvl="0" indent="-857250" algn="l" defTabSz="4389120" rtl="0" eaLnBrk="1" fontAlgn="auto" latinLnBrk="0" hangingPunct="1">
               <a:lnSpc>
                 <a:spcPct val="100000"/>
               </a:lnSpc>
@@ -1130,7 +1127,7 @@
               <a:defRPr/>
             </a:pPr>
             <a:r>
-              <a:rPr kumimoji="0" lang="en-US" sz="6000" i="0" strike="noStrike" kern="1200" cap="none" spc="0" normalizeH="0" baseline="0" noProof="0" dirty="0">
+              <a:rPr kumimoji="0" lang="en-US" sz="4800" i="0" strike="noStrike" kern="1200" cap="none" spc="0" normalizeH="0" baseline="0" noProof="0" dirty="0">
                 <a:ln>
                   <a:noFill/>
                 </a:ln>
@@ -1147,14 +1144,14 @@
               <a:t>Mobile app allows </a:t>
             </a:r>
             <a:r>
-              <a:rPr lang="en-US" sz="6000" dirty="0">
+              <a:rPr lang="en-US" sz="4800" dirty="0">
                 <a:latin typeface="+mj-lt"/>
               </a:rPr>
               <a:t>doctor to monitor the patient’s temperament as well as their daily emotional events</a:t>
             </a:r>
           </a:p>
           <a:p>
-            <a:pPr marL="857250" marR="0" lvl="0" indent="-857250" algn="ctr" defTabSz="4389120" rtl="0" eaLnBrk="1" fontAlgn="auto" latinLnBrk="0" hangingPunct="1">
+            <a:pPr marL="857250" marR="0" lvl="0" indent="-857250" algn="l" defTabSz="4389120" rtl="0" eaLnBrk="1" fontAlgn="auto" latinLnBrk="0" hangingPunct="1">
               <a:lnSpc>
                 <a:spcPct val="100000"/>
               </a:lnSpc>
@@ -1172,14 +1169,14 @@
               <a:defRPr/>
             </a:pPr>
             <a:r>
-              <a:rPr lang="en-US" sz="6000" dirty="0">
+              <a:rPr lang="en-US" sz="4800" dirty="0">
                 <a:latin typeface="+mj-lt"/>
               </a:rPr>
               <a:t> App allows users to reflect if their situational “if” produces a coherent “then” pattern of thinking, feeling, and behaving.</a:t>
             </a:r>
           </a:p>
           <a:p>
-            <a:pPr marL="857250" marR="0" lvl="0" indent="-857250" algn="ctr" defTabSz="4389120" rtl="0" eaLnBrk="1" fontAlgn="auto" latinLnBrk="0" hangingPunct="1">
+            <a:pPr marL="857250" marR="0" lvl="0" indent="-857250" algn="l" defTabSz="4389120" rtl="0" eaLnBrk="1" fontAlgn="auto" latinLnBrk="0" hangingPunct="1">
               <a:lnSpc>
                 <a:spcPct val="100000"/>
               </a:lnSpc>
@@ -1197,7 +1194,7 @@
               <a:defRPr/>
             </a:pPr>
             <a:r>
-              <a:rPr kumimoji="0" lang="en-US" sz="6000" i="0" strike="noStrike" kern="1200" cap="none" spc="0" normalizeH="0" baseline="0" noProof="0" dirty="0">
+              <a:rPr kumimoji="0" lang="en-US" sz="4800" i="0" strike="noStrike" kern="1200" cap="none" spc="0" normalizeH="0" baseline="0" noProof="0" dirty="0">
                 <a:ln>
                   <a:noFill/>
                 </a:ln>
@@ -1227,7 +1224,7 @@
         <p:spPr>
           <a:xfrm>
             <a:off x="685800" y="5257800"/>
-            <a:ext cx="13844016" cy="26774775"/>
+            <a:ext cx="13844016" cy="9296399"/>
           </a:xfrm>
           <a:prstGeom prst="rect">
             <a:avLst/>
@@ -1297,7 +1294,7 @@
             </a:r>
           </a:p>
           <a:p>
-            <a:pPr marL="857250" marR="0" lvl="0" indent="-857250" algn="ctr" defTabSz="4389120" rtl="0" eaLnBrk="1" fontAlgn="auto" latinLnBrk="0" hangingPunct="1">
+            <a:pPr marL="857250" marR="0" lvl="0" indent="-857250" algn="l" defTabSz="4389120" rtl="0" eaLnBrk="1" fontAlgn="auto" latinLnBrk="0" hangingPunct="1">
               <a:lnSpc>
                 <a:spcPct val="100000"/>
               </a:lnSpc>
@@ -1315,14 +1312,14 @@
               <a:defRPr/>
             </a:pPr>
             <a:r>
-              <a:rPr lang="en-US" sz="6000" dirty="0">
+              <a:rPr lang="en-US" sz="4800" dirty="0">
                 <a:latin typeface="+mj-lt"/>
               </a:rPr>
               <a:t>Digital solution to advance mental health treatment</a:t>
             </a:r>
           </a:p>
           <a:p>
-            <a:pPr marL="857250" marR="0" lvl="0" indent="-857250" algn="ctr" defTabSz="4389120" rtl="0" eaLnBrk="1" fontAlgn="auto" latinLnBrk="0" hangingPunct="1">
+            <a:pPr marL="857250" marR="0" lvl="0" indent="-857250" algn="l" defTabSz="4389120" rtl="0" eaLnBrk="1" fontAlgn="auto" latinLnBrk="0" hangingPunct="1">
               <a:lnSpc>
                 <a:spcPct val="100000"/>
               </a:lnSpc>
@@ -1340,13 +1337,63 @@
               <a:defRPr/>
             </a:pPr>
             <a:r>
-              <a:rPr lang="en-US" sz="6000" dirty="0">
+              <a:rPr lang="en-US" sz="4800" dirty="0">
                 <a:latin typeface="+mj-lt"/>
               </a:rPr>
               <a:t>Tool to gather more data about how temperament affects treatment response</a:t>
             </a:r>
           </a:p>
           <a:p>
+            <a:pPr marL="857250" marR="0" lvl="0" indent="-857250" algn="l" defTabSz="4389120" rtl="0" eaLnBrk="1" fontAlgn="auto" latinLnBrk="0" hangingPunct="1">
+              <a:lnSpc>
+                <a:spcPct val="100000"/>
+              </a:lnSpc>
+              <a:spcBef>
+                <a:spcPct val="20000"/>
+              </a:spcBef>
+              <a:spcAft>
+                <a:spcPts val="0"/>
+              </a:spcAft>
+              <a:buClrTx/>
+              <a:buSzTx/>
+              <a:buFont typeface="Arial" panose="020B0604020202020204" pitchFamily="34" charset="0"/>
+              <a:buChar char="•"/>
+              <a:tabLst/>
+              <a:defRPr/>
+            </a:pPr>
+            <a:r>
+              <a:rPr lang="en-US" sz="4800" dirty="0">
+                <a:latin typeface="+mj-lt"/>
+              </a:rPr>
+              <a:t>Connects users’ personal reflections with actionable insights for clinicians</a:t>
+            </a:r>
+          </a:p>
+          <a:p>
+            <a:pPr marL="857250" marR="0" lvl="0" indent="-857250" algn="l" defTabSz="4389120" rtl="0" eaLnBrk="1" fontAlgn="auto" latinLnBrk="0" hangingPunct="1">
+              <a:lnSpc>
+                <a:spcPct val="100000"/>
+              </a:lnSpc>
+              <a:spcBef>
+                <a:spcPct val="20000"/>
+              </a:spcBef>
+              <a:spcAft>
+                <a:spcPts val="0"/>
+              </a:spcAft>
+              <a:buClrTx/>
+              <a:buSzTx/>
+              <a:buFont typeface="Arial" panose="020B0604020202020204" pitchFamily="34" charset="0"/>
+              <a:buChar char="•"/>
+              <a:tabLst/>
+              <a:defRPr/>
+            </a:pPr>
+            <a:r>
+              <a:rPr lang="en-US" sz="4800" dirty="0">
+                <a:latin typeface="+mj-lt"/>
+              </a:rPr>
+              <a:t>Supports both in-person and remote monitoring of patient emotional patterns</a:t>
+            </a:r>
+          </a:p>
+          <a:p>
             <a:pPr marL="857250" marR="0" lvl="0" indent="-857250" algn="ctr" defTabSz="4389120" rtl="0" eaLnBrk="1" fontAlgn="auto" latinLnBrk="0" hangingPunct="1">
               <a:lnSpc>
                 <a:spcPct val="100000"/>
@@ -1405,212 +1452,6 @@
               <a:buSzTx/>
               <a:buFont typeface="Arial" panose="020B0604020202020204" pitchFamily="34" charset="0"/>
               <a:buChar char="•"/>
-              <a:tabLst/>
-              <a:defRPr/>
-            </a:pPr>
-            <a:endParaRPr lang="en-US" sz="6000" dirty="0">
-              <a:latin typeface="+mj-lt"/>
-            </a:endParaRPr>
-          </a:p>
-          <a:p>
-            <a:pPr marL="1645920" marR="0" lvl="0" indent="-1645920" algn="ctr" defTabSz="4389120" rtl="0" eaLnBrk="1" fontAlgn="auto" latinLnBrk="0" hangingPunct="1">
-              <a:lnSpc>
-                <a:spcPct val="100000"/>
-              </a:lnSpc>
-              <a:spcBef>
-                <a:spcPct val="20000"/>
-              </a:spcBef>
-              <a:spcAft>
-                <a:spcPts val="0"/>
-              </a:spcAft>
-              <a:buClrTx/>
-              <a:buSzTx/>
-              <a:buFont typeface="Arial" pitchFamily="34" charset="0"/>
-              <a:buNone/>
-              <a:tabLst/>
-              <a:defRPr/>
-            </a:pPr>
-            <a:r>
-              <a:rPr kumimoji="0" lang="en-US" sz="6000" b="1" i="0" u="sng" strike="noStrike" kern="1200" cap="none" spc="0" normalizeH="0" baseline="0" noProof="0" dirty="0">
-                <a:ln>
-                  <a:noFill/>
-                </a:ln>
-                <a:solidFill>
-                  <a:schemeClr val="tx1"/>
-                </a:solidFill>
-                <a:effectLst/>
-                <a:uLnTx/>
-                <a:uFillTx/>
-                <a:latin typeface="+mj-lt"/>
-                <a:ea typeface="+mn-ea"/>
-                <a:cs typeface="+mn-cs"/>
-              </a:rPr>
-              <a:t>Features/Functionality</a:t>
-            </a:r>
-          </a:p>
-          <a:p>
-            <a:pPr marL="1645920" marR="0" lvl="0" indent="-1645920" algn="ctr" defTabSz="4389120" rtl="0" eaLnBrk="1" fontAlgn="auto" latinLnBrk="0" hangingPunct="1">
-              <a:lnSpc>
-                <a:spcPct val="100000"/>
-              </a:lnSpc>
-              <a:spcBef>
-                <a:spcPct val="20000"/>
-              </a:spcBef>
-              <a:spcAft>
-                <a:spcPts val="0"/>
-              </a:spcAft>
-              <a:buClrTx/>
-              <a:buSzTx/>
-              <a:buFont typeface="Arial" panose="020B0604020202020204" pitchFamily="34" charset="0"/>
-              <a:buChar char="•"/>
-              <a:tabLst/>
-              <a:defRPr/>
-            </a:pPr>
-            <a:r>
-              <a:rPr kumimoji="0" lang="en-US" sz="6000" i="0" strike="noStrike" kern="1200" cap="none" spc="0" normalizeH="0" baseline="0" noProof="0" dirty="0">
-                <a:ln>
-                  <a:noFill/>
-                </a:ln>
-                <a:solidFill>
-                  <a:schemeClr val="tx1"/>
-                </a:solidFill>
-                <a:effectLst/>
-                <a:uLnTx/>
-                <a:uFillTx/>
-                <a:latin typeface="+mj-lt"/>
-                <a:ea typeface="+mn-ea"/>
-                <a:cs typeface="+mn-cs"/>
-              </a:rPr>
-              <a:t>Automatic</a:t>
-            </a:r>
-            <a:r>
-              <a:rPr lang="en-US" sz="6000" dirty="0">
-                <a:latin typeface="+mj-lt"/>
-              </a:rPr>
-              <a:t>ally sends PICA results report to user’s email</a:t>
-            </a:r>
-          </a:p>
-          <a:p>
-            <a:pPr marL="1645920" marR="0" lvl="0" indent="-1645920" algn="ctr" defTabSz="4389120" rtl="0" eaLnBrk="1" fontAlgn="auto" latinLnBrk="0" hangingPunct="1">
-              <a:lnSpc>
-                <a:spcPct val="100000"/>
-              </a:lnSpc>
-              <a:spcBef>
-                <a:spcPct val="20000"/>
-              </a:spcBef>
-              <a:spcAft>
-                <a:spcPts val="0"/>
-              </a:spcAft>
-              <a:buClrTx/>
-              <a:buSzTx/>
-              <a:buFont typeface="Arial" panose="020B0604020202020204" pitchFamily="34" charset="0"/>
-              <a:buChar char="•"/>
-              <a:tabLst/>
-              <a:defRPr/>
-            </a:pPr>
-            <a:r>
-              <a:rPr kumimoji="0" lang="en-US" sz="6000" i="0" strike="noStrike" kern="1200" cap="none" spc="0" normalizeH="0" baseline="0" noProof="0" dirty="0">
-                <a:ln>
-                  <a:noFill/>
-                </a:ln>
-                <a:solidFill>
-                  <a:schemeClr val="tx1"/>
-                </a:solidFill>
-                <a:effectLst/>
-                <a:uLnTx/>
-                <a:uFillTx/>
-                <a:latin typeface="+mj-lt"/>
-                <a:ea typeface="+mn-ea"/>
-                <a:cs typeface="+mn-cs"/>
-              </a:rPr>
-              <a:t>Allow users to opt in for certain parts of the assessment</a:t>
-            </a:r>
-          </a:p>
-          <a:p>
-            <a:pPr marL="1645920" marR="0" lvl="0" indent="-1645920" algn="ctr" defTabSz="4389120" rtl="0" eaLnBrk="1" fontAlgn="auto" latinLnBrk="0" hangingPunct="1">
-              <a:lnSpc>
-                <a:spcPct val="100000"/>
-              </a:lnSpc>
-              <a:spcBef>
-                <a:spcPct val="20000"/>
-              </a:spcBef>
-              <a:spcAft>
-                <a:spcPts val="0"/>
-              </a:spcAft>
-              <a:buClrTx/>
-              <a:buSzTx/>
-              <a:buFont typeface="Arial" panose="020B0604020202020204" pitchFamily="34" charset="0"/>
-              <a:buChar char="•"/>
-              <a:tabLst/>
-              <a:defRPr/>
-            </a:pPr>
-            <a:r>
-              <a:rPr kumimoji="0" lang="en-US" sz="6000" i="0" strike="noStrike" kern="1200" cap="none" spc="0" normalizeH="0" baseline="0" noProof="0" dirty="0">
-                <a:ln>
-                  <a:noFill/>
-                </a:ln>
-                <a:solidFill>
-                  <a:schemeClr val="tx1"/>
-                </a:solidFill>
-                <a:effectLst/>
-                <a:uLnTx/>
-                <a:uFillTx/>
-                <a:latin typeface="+mj-lt"/>
-                <a:ea typeface="+mn-ea"/>
-                <a:cs typeface="+mn-cs"/>
-              </a:rPr>
-              <a:t>Allow edits to the emotional situations in the mobile app</a:t>
-            </a:r>
-          </a:p>
-          <a:p>
-            <a:pPr marL="1645920" marR="0" lvl="0" indent="-1645920" algn="ctr" defTabSz="4389120" rtl="0" eaLnBrk="1" fontAlgn="auto" latinLnBrk="0" hangingPunct="1">
-              <a:lnSpc>
-                <a:spcPct val="100000"/>
-              </a:lnSpc>
-              <a:spcBef>
-                <a:spcPct val="20000"/>
-              </a:spcBef>
-              <a:spcAft>
-                <a:spcPts val="0"/>
-              </a:spcAft>
-              <a:buClrTx/>
-              <a:buSzTx/>
-              <a:buFont typeface="Arial" panose="020B0604020202020204" pitchFamily="34" charset="0"/>
-              <a:buChar char="•"/>
-              <a:tabLst/>
-              <a:defRPr/>
-            </a:pPr>
-            <a:r>
-              <a:rPr kumimoji="0" lang="en-US" sz="6000" i="0" strike="noStrike" kern="1200" cap="none" spc="0" normalizeH="0" baseline="0" noProof="0" dirty="0">
-                <a:ln>
-                  <a:noFill/>
-                </a:ln>
-                <a:solidFill>
-                  <a:schemeClr val="tx1"/>
-                </a:solidFill>
-                <a:effectLst/>
-                <a:uLnTx/>
-                <a:uFillTx/>
-                <a:latin typeface="+mj-lt"/>
-                <a:ea typeface="+mn-ea"/>
-                <a:cs typeface="+mn-cs"/>
-              </a:rPr>
-              <a:t>Improved report layout for better understanding of results</a:t>
-            </a:r>
-          </a:p>
-          <a:p>
-            <a:pPr marR="0" lvl="0" algn="ctr" defTabSz="4389120" rtl="0" eaLnBrk="1" fontAlgn="auto" latinLnBrk="0" hangingPunct="1">
-              <a:lnSpc>
-                <a:spcPct val="100000"/>
-              </a:lnSpc>
-              <a:spcBef>
-                <a:spcPct val="20000"/>
-              </a:spcBef>
-              <a:spcAft>
-                <a:spcPts val="0"/>
-              </a:spcAft>
-              <a:buClrTx/>
-              <a:buSzTx/>
               <a:tabLst/>
               <a:defRPr/>
             </a:pPr>
@@ -1811,7 +1652,7 @@
         <p:spPr>
           <a:xfrm>
             <a:off x="29422725" y="5257800"/>
-            <a:ext cx="13844016" cy="16840200"/>
+            <a:ext cx="13844016" cy="9067798"/>
           </a:xfrm>
           <a:prstGeom prst="rect">
             <a:avLst/>
@@ -1847,45 +1688,18 @@
             </a:r>
           </a:p>
           <a:p>
-            <a:pPr lvl="0">
+            <a:pPr lvl="0" algn="l">
               <a:buFont typeface="Arial" panose="020B0604020202020204" pitchFamily="34" charset="0"/>
               <a:buChar char="•"/>
             </a:pPr>
             <a:r>
-              <a:rPr lang="en-US" dirty="0"/>
+              <a:rPr lang="en-US" sz="4800" dirty="0"/>
               <a:t>Allows doctors to better understand their patients and create stronger treatment plans</a:t>
             </a:r>
           </a:p>
           <a:p>
             <a:pPr lvl="0"/>
             <a:endParaRPr lang="en-US" b="1" u="sng" dirty="0"/>
-          </a:p>
-          <a:p>
-            <a:pPr lvl="0"/>
-            <a:r>
-              <a:rPr lang="en-US" b="1" u="sng" dirty="0"/>
-              <a:t>Future Work</a:t>
-            </a:r>
-          </a:p>
-          <a:p>
-            <a:pPr lvl="0">
-              <a:buFont typeface="Arial" panose="020B0604020202020204" pitchFamily="34" charset="0"/>
-              <a:buChar char="•"/>
-            </a:pPr>
-            <a:r>
-              <a:rPr lang="en-US" dirty="0"/>
-              <a:t>Create a more sophisticated clustering algorithm for emotional situations</a:t>
-            </a:r>
-          </a:p>
-          <a:p>
-            <a:pPr lvl="0">
-              <a:buFont typeface="Arial" panose="020B0604020202020204" pitchFamily="34" charset="0"/>
-              <a:buChar char="•"/>
-            </a:pPr>
-            <a:r>
-              <a:rPr lang="en-US" dirty="0"/>
-              <a:t>Integrate PICA into mobile app</a:t>
-            </a:r>
           </a:p>
         </p:txBody>
       </p:sp>
@@ -2016,116 +1830,6 @@
           </a:p>
         </p:txBody>
       </p:sp>
-      <p:sp>
-        <p:nvSpPr>
-          <p:cNvPr id="29" name="Content Placeholder 7"/>
-          <p:cNvSpPr txBox="1">
-            <a:spLocks/>
-          </p:cNvSpPr>
-          <p:nvPr/>
-        </p:nvSpPr>
-        <p:spPr>
-          <a:xfrm>
-            <a:off x="29422725" y="22326600"/>
-            <a:ext cx="13844016" cy="4876800"/>
-          </a:xfrm>
-          <a:prstGeom prst="rect">
-            <a:avLst/>
-          </a:prstGeom>
-          <a:ln>
-            <a:solidFill>
-              <a:schemeClr val="bg1">
-                <a:lumMod val="75000"/>
-              </a:schemeClr>
-            </a:solidFill>
-            <a:prstDash val="sysDot"/>
-          </a:ln>
-        </p:spPr>
-        <p:txBody>
-          <a:bodyPr anchor="ctr"/>
-          <a:lstStyle>
-            <a:lvl1pPr>
-              <a:buFont typeface="Arial" pitchFamily="34" charset="0"/>
-              <a:buChar char="•"/>
-              <a:defRPr sz="9600" baseline="0">
-                <a:latin typeface="+mj-lt"/>
-              </a:defRPr>
-            </a:lvl1pPr>
-            <a:lvl2pPr>
-              <a:buNone/>
-              <a:defRPr/>
-            </a:lvl2pPr>
-            <a:lvl3pPr>
-              <a:buNone/>
-              <a:defRPr/>
-            </a:lvl3pPr>
-            <a:lvl4pPr>
-              <a:buNone/>
-              <a:defRPr/>
-            </a:lvl4pPr>
-            <a:lvl5pPr>
-              <a:buNone/>
-              <a:defRPr/>
-            </a:lvl5pPr>
-          </a:lstStyle>
-          <a:p>
-            <a:pPr marL="1645920" marR="0" lvl="0" indent="-1645920" algn="ctr" defTabSz="4389120" rtl="0" eaLnBrk="1" fontAlgn="auto" latinLnBrk="0" hangingPunct="1">
-              <a:lnSpc>
-                <a:spcPct val="100000"/>
-              </a:lnSpc>
-              <a:spcBef>
-                <a:spcPct val="20000"/>
-              </a:spcBef>
-              <a:spcAft>
-                <a:spcPts val="0"/>
-              </a:spcAft>
-              <a:buClrTx/>
-              <a:buSzTx/>
-              <a:buFont typeface="Arial" pitchFamily="34" charset="0"/>
-              <a:buNone/>
-              <a:tabLst/>
-              <a:defRPr/>
-            </a:pPr>
-            <a:r>
-              <a:rPr lang="en-US" sz="5200" b="1" u="sng" dirty="0"/>
-              <a:t>Glossary</a:t>
-            </a:r>
-          </a:p>
-          <a:p>
-            <a:pPr marL="1645920" marR="0" lvl="0" indent="-1645920" algn="ctr" defTabSz="4389120" rtl="0" eaLnBrk="1" fontAlgn="auto" latinLnBrk="0" hangingPunct="1">
-              <a:lnSpc>
-                <a:spcPct val="100000"/>
-              </a:lnSpc>
-              <a:spcBef>
-                <a:spcPct val="20000"/>
-              </a:spcBef>
-              <a:spcAft>
-                <a:spcPts val="0"/>
-              </a:spcAft>
-              <a:buClrTx/>
-              <a:buSzTx/>
-              <a:buFont typeface="Arial" pitchFamily="34" charset="0"/>
-              <a:buNone/>
-              <a:tabLst/>
-              <a:defRPr/>
-            </a:pPr>
-            <a:endParaRPr kumimoji="0" lang="en-US" sz="5200" b="1" i="0" u="sng" strike="noStrike" kern="1200" cap="none" spc="0" normalizeH="0" baseline="0" noProof="0" dirty="0">
-              <a:ln>
-                <a:noFill/>
-              </a:ln>
-              <a:solidFill>
-                <a:schemeClr val="tx1"/>
-              </a:solidFill>
-              <a:effectLst/>
-              <a:uLnTx/>
-              <a:uFillTx/>
-              <a:latin typeface="+mj-lt"/>
-              <a:ea typeface="+mn-ea"/>
-              <a:cs typeface="+mn-cs"/>
-            </a:endParaRPr>
-          </a:p>
-        </p:txBody>
-      </p:sp>
       <p:pic>
         <p:nvPicPr>
           <p:cNvPr id="3" name="Picture 2">
@@ -2156,6 +1860,1074 @@
           </a:prstGeom>
         </p:spPr>
       </p:pic>
+      <p:sp>
+        <p:nvSpPr>
+          <p:cNvPr id="6" name="Content Placeholder 9">
+            <a:extLst>
+              <a:ext uri="{FF2B5EF4-FFF2-40B4-BE49-F238E27FC236}">
+                <a16:creationId xmlns:a16="http://schemas.microsoft.com/office/drawing/2014/main" id="{3F18F802-1094-943C-EF17-5119965022D8}"/>
+              </a:ext>
+            </a:extLst>
+          </p:cNvPr>
+          <p:cNvSpPr txBox="1">
+            <a:spLocks/>
+          </p:cNvSpPr>
+          <p:nvPr/>
+        </p:nvSpPr>
+        <p:spPr>
+          <a:xfrm>
+            <a:off x="685894" y="14859000"/>
+            <a:ext cx="13844016" cy="11582399"/>
+          </a:xfrm>
+          <a:prstGeom prst="rect">
+            <a:avLst/>
+          </a:prstGeom>
+          <a:ln>
+            <a:solidFill>
+              <a:schemeClr val="bg1">
+                <a:lumMod val="75000"/>
+              </a:schemeClr>
+            </a:solidFill>
+            <a:prstDash val="sysDot"/>
+          </a:ln>
+        </p:spPr>
+        <p:txBody>
+          <a:bodyPr/>
+          <a:lstStyle>
+            <a:lvl1pPr algn="ctr">
+              <a:buNone/>
+              <a:defRPr/>
+            </a:lvl1pPr>
+          </a:lstStyle>
+          <a:p>
+            <a:pPr marR="0" lvl="0" algn="ctr" defTabSz="4389120" rtl="0" eaLnBrk="1" fontAlgn="auto" latinLnBrk="0" hangingPunct="1">
+              <a:lnSpc>
+                <a:spcPct val="100000"/>
+              </a:lnSpc>
+              <a:spcBef>
+                <a:spcPct val="20000"/>
+              </a:spcBef>
+              <a:spcAft>
+                <a:spcPts val="0"/>
+              </a:spcAft>
+              <a:buClrTx/>
+              <a:buSzTx/>
+              <a:tabLst/>
+              <a:defRPr/>
+            </a:pPr>
+            <a:endParaRPr lang="en-US" sz="6000" dirty="0">
+              <a:latin typeface="+mj-lt"/>
+            </a:endParaRPr>
+          </a:p>
+          <a:p>
+            <a:pPr marL="1645920" marR="0" lvl="0" indent="-1645920" algn="ctr" defTabSz="4389120" rtl="0" eaLnBrk="1" fontAlgn="auto" latinLnBrk="0" hangingPunct="1">
+              <a:lnSpc>
+                <a:spcPct val="100000"/>
+              </a:lnSpc>
+              <a:spcBef>
+                <a:spcPct val="20000"/>
+              </a:spcBef>
+              <a:spcAft>
+                <a:spcPts val="0"/>
+              </a:spcAft>
+              <a:buClrTx/>
+              <a:buSzTx/>
+              <a:buFont typeface="Arial" pitchFamily="34" charset="0"/>
+              <a:buNone/>
+              <a:tabLst/>
+              <a:defRPr/>
+            </a:pPr>
+            <a:r>
+              <a:rPr kumimoji="0" lang="en-US" sz="6000" b="1" i="0" u="sng" strike="noStrike" kern="1200" cap="none" spc="0" normalizeH="0" baseline="0" noProof="0" dirty="0">
+                <a:ln>
+                  <a:noFill/>
+                </a:ln>
+                <a:solidFill>
+                  <a:schemeClr val="tx1"/>
+                </a:solidFill>
+                <a:effectLst/>
+                <a:uLnTx/>
+                <a:uFillTx/>
+                <a:latin typeface="+mj-lt"/>
+                <a:ea typeface="+mn-ea"/>
+                <a:cs typeface="+mn-cs"/>
+              </a:rPr>
+              <a:t>Features/Functionality</a:t>
+            </a:r>
+          </a:p>
+          <a:p>
+            <a:pPr marL="1645920" marR="0" lvl="0" indent="-1645920" algn="l" defTabSz="4389120" rtl="0" eaLnBrk="1" fontAlgn="auto" latinLnBrk="0" hangingPunct="1">
+              <a:lnSpc>
+                <a:spcPct val="100000"/>
+              </a:lnSpc>
+              <a:spcBef>
+                <a:spcPct val="20000"/>
+              </a:spcBef>
+              <a:spcAft>
+                <a:spcPts val="0"/>
+              </a:spcAft>
+              <a:buClrTx/>
+              <a:buSzTx/>
+              <a:buFont typeface="Arial" panose="020B0604020202020204" pitchFamily="34" charset="0"/>
+              <a:buChar char="•"/>
+              <a:tabLst/>
+              <a:defRPr/>
+            </a:pPr>
+            <a:r>
+              <a:rPr kumimoji="0" lang="en-US" sz="4800" i="0" strike="noStrike" kern="1200" cap="none" spc="0" normalizeH="0" baseline="0" noProof="0" dirty="0">
+                <a:ln>
+                  <a:noFill/>
+                </a:ln>
+                <a:solidFill>
+                  <a:schemeClr val="tx1"/>
+                </a:solidFill>
+                <a:effectLst/>
+                <a:uLnTx/>
+                <a:uFillTx/>
+                <a:latin typeface="+mj-lt"/>
+                <a:ea typeface="+mn-ea"/>
+                <a:cs typeface="+mn-cs"/>
+              </a:rPr>
+              <a:t>Automatic</a:t>
+            </a:r>
+            <a:r>
+              <a:rPr lang="en-US" sz="4800" dirty="0">
+                <a:latin typeface="+mj-lt"/>
+              </a:rPr>
+              <a:t>ally sends PICA results report to user’s email</a:t>
+            </a:r>
+          </a:p>
+          <a:p>
+            <a:pPr marL="1645920" marR="0" lvl="0" indent="-1645920" algn="l" defTabSz="4389120" rtl="0" eaLnBrk="1" fontAlgn="auto" latinLnBrk="0" hangingPunct="1">
+              <a:lnSpc>
+                <a:spcPct val="100000"/>
+              </a:lnSpc>
+              <a:spcBef>
+                <a:spcPct val="20000"/>
+              </a:spcBef>
+              <a:spcAft>
+                <a:spcPts val="0"/>
+              </a:spcAft>
+              <a:buClrTx/>
+              <a:buSzTx/>
+              <a:buFont typeface="Arial" panose="020B0604020202020204" pitchFamily="34" charset="0"/>
+              <a:buChar char="•"/>
+              <a:tabLst/>
+              <a:defRPr/>
+            </a:pPr>
+            <a:r>
+              <a:rPr kumimoji="0" lang="en-US" sz="4800" i="0" strike="noStrike" kern="1200" cap="none" spc="0" normalizeH="0" baseline="0" noProof="0" dirty="0">
+                <a:ln>
+                  <a:noFill/>
+                </a:ln>
+                <a:solidFill>
+                  <a:schemeClr val="tx1"/>
+                </a:solidFill>
+                <a:effectLst/>
+                <a:uLnTx/>
+                <a:uFillTx/>
+                <a:latin typeface="+mj-lt"/>
+                <a:ea typeface="+mn-ea"/>
+                <a:cs typeface="+mn-cs"/>
+              </a:rPr>
+              <a:t>Allow users to opt in for certain parts of the assessment</a:t>
+            </a:r>
+          </a:p>
+          <a:p>
+            <a:pPr marL="1645920" marR="0" lvl="0" indent="-1645920" algn="l" defTabSz="4389120" rtl="0" eaLnBrk="1" fontAlgn="auto" latinLnBrk="0" hangingPunct="1">
+              <a:lnSpc>
+                <a:spcPct val="100000"/>
+              </a:lnSpc>
+              <a:spcBef>
+                <a:spcPct val="20000"/>
+              </a:spcBef>
+              <a:spcAft>
+                <a:spcPts val="0"/>
+              </a:spcAft>
+              <a:buClrTx/>
+              <a:buSzTx/>
+              <a:buFont typeface="Arial" panose="020B0604020202020204" pitchFamily="34" charset="0"/>
+              <a:buChar char="•"/>
+              <a:tabLst/>
+              <a:defRPr/>
+            </a:pPr>
+            <a:r>
+              <a:rPr kumimoji="0" lang="en-US" sz="4800" i="0" strike="noStrike" kern="1200" cap="none" spc="0" normalizeH="0" baseline="0" noProof="0" dirty="0">
+                <a:ln>
+                  <a:noFill/>
+                </a:ln>
+                <a:solidFill>
+                  <a:schemeClr val="tx1"/>
+                </a:solidFill>
+                <a:effectLst/>
+                <a:uLnTx/>
+                <a:uFillTx/>
+                <a:latin typeface="+mj-lt"/>
+                <a:ea typeface="+mn-ea"/>
+                <a:cs typeface="+mn-cs"/>
+              </a:rPr>
+              <a:t>Supports full customization of emotional categories in-app, allowing users to rename, delete, merge</a:t>
+            </a:r>
+            <a:r>
+              <a:rPr lang="en-US" sz="4800" dirty="0">
+                <a:latin typeface="+mj-lt"/>
+              </a:rPr>
+              <a:t>, or move specific surveys between categories</a:t>
+            </a:r>
+            <a:endParaRPr kumimoji="0" lang="en-US" sz="4800" i="0" strike="noStrike" kern="1200" cap="none" spc="0" normalizeH="0" baseline="0" noProof="0" dirty="0">
+              <a:ln>
+                <a:noFill/>
+              </a:ln>
+              <a:solidFill>
+                <a:schemeClr val="tx1"/>
+              </a:solidFill>
+              <a:effectLst/>
+              <a:uLnTx/>
+              <a:uFillTx/>
+              <a:latin typeface="+mj-lt"/>
+              <a:ea typeface="+mn-ea"/>
+              <a:cs typeface="+mn-cs"/>
+            </a:endParaRPr>
+          </a:p>
+          <a:p>
+            <a:pPr marL="1645920" marR="0" lvl="0" indent="-1645920" algn="l" defTabSz="4389120" rtl="0" eaLnBrk="1" fontAlgn="auto" latinLnBrk="0" hangingPunct="1">
+              <a:lnSpc>
+                <a:spcPct val="100000"/>
+              </a:lnSpc>
+              <a:spcBef>
+                <a:spcPct val="20000"/>
+              </a:spcBef>
+              <a:spcAft>
+                <a:spcPts val="0"/>
+              </a:spcAft>
+              <a:buClrTx/>
+              <a:buSzTx/>
+              <a:buFont typeface="Arial" panose="020B0604020202020204" pitchFamily="34" charset="0"/>
+              <a:buChar char="•"/>
+              <a:tabLst/>
+              <a:defRPr/>
+            </a:pPr>
+            <a:r>
+              <a:rPr kumimoji="0" lang="en-US" sz="4800" i="0" strike="noStrike" kern="1200" cap="none" spc="0" normalizeH="0" baseline="0" noProof="0" dirty="0">
+                <a:ln>
+                  <a:noFill/>
+                </a:ln>
+                <a:solidFill>
+                  <a:schemeClr val="tx1"/>
+                </a:solidFill>
+                <a:effectLst/>
+                <a:uLnTx/>
+                <a:uFillTx/>
+                <a:latin typeface="+mj-lt"/>
+                <a:ea typeface="+mn-ea"/>
+                <a:cs typeface="+mn-cs"/>
+              </a:rPr>
+              <a:t>Improved report layout for better understanding of results</a:t>
+            </a:r>
+          </a:p>
+          <a:p>
+            <a:pPr marR="0" lvl="0" algn="ctr" defTabSz="4389120" rtl="0" eaLnBrk="1" fontAlgn="auto" latinLnBrk="0" hangingPunct="1">
+              <a:lnSpc>
+                <a:spcPct val="100000"/>
+              </a:lnSpc>
+              <a:spcBef>
+                <a:spcPct val="20000"/>
+              </a:spcBef>
+              <a:spcAft>
+                <a:spcPts val="0"/>
+              </a:spcAft>
+              <a:buClrTx/>
+              <a:buSzTx/>
+              <a:tabLst/>
+              <a:defRPr/>
+            </a:pPr>
+            <a:endParaRPr lang="en-US" sz="6000" dirty="0">
+              <a:latin typeface="+mj-lt"/>
+            </a:endParaRPr>
+          </a:p>
+          <a:p>
+            <a:pPr marR="0" lvl="0" algn="ctr" defTabSz="4389120" rtl="0" eaLnBrk="1" fontAlgn="auto" latinLnBrk="0" hangingPunct="1">
+              <a:lnSpc>
+                <a:spcPct val="100000"/>
+              </a:lnSpc>
+              <a:spcBef>
+                <a:spcPct val="20000"/>
+              </a:spcBef>
+              <a:spcAft>
+                <a:spcPts val="0"/>
+              </a:spcAft>
+              <a:buClrTx/>
+              <a:buSzTx/>
+              <a:tabLst/>
+              <a:defRPr/>
+            </a:pPr>
+            <a:endParaRPr lang="en-US" sz="6000" dirty="0">
+              <a:latin typeface="+mj-lt"/>
+            </a:endParaRPr>
+          </a:p>
+          <a:p>
+            <a:pPr marR="0" lvl="0" algn="ctr" defTabSz="4389120" rtl="0" eaLnBrk="1" fontAlgn="auto" latinLnBrk="0" hangingPunct="1">
+              <a:lnSpc>
+                <a:spcPct val="100000"/>
+              </a:lnSpc>
+              <a:spcBef>
+                <a:spcPct val="20000"/>
+              </a:spcBef>
+              <a:spcAft>
+                <a:spcPts val="0"/>
+              </a:spcAft>
+              <a:buClrTx/>
+              <a:buSzTx/>
+              <a:tabLst/>
+              <a:defRPr/>
+            </a:pPr>
+            <a:endParaRPr lang="en-US" sz="6000" dirty="0">
+              <a:latin typeface="+mj-lt"/>
+            </a:endParaRPr>
+          </a:p>
+          <a:p>
+            <a:pPr marR="0" lvl="0" algn="ctr" defTabSz="4389120" rtl="0" eaLnBrk="1" fontAlgn="auto" latinLnBrk="0" hangingPunct="1">
+              <a:lnSpc>
+                <a:spcPct val="100000"/>
+              </a:lnSpc>
+              <a:spcBef>
+                <a:spcPct val="20000"/>
+              </a:spcBef>
+              <a:spcAft>
+                <a:spcPts val="0"/>
+              </a:spcAft>
+              <a:buClrTx/>
+              <a:buSzTx/>
+              <a:tabLst/>
+              <a:defRPr/>
+            </a:pPr>
+            <a:endParaRPr kumimoji="0" lang="en-US" sz="6000" b="1" i="0" u="sng" strike="noStrike" kern="1200" cap="none" spc="0" normalizeH="0" baseline="0" noProof="0" dirty="0">
+              <a:ln>
+                <a:noFill/>
+              </a:ln>
+              <a:solidFill>
+                <a:schemeClr val="tx1"/>
+              </a:solidFill>
+              <a:effectLst/>
+              <a:uLnTx/>
+              <a:uFillTx/>
+              <a:latin typeface="+mj-lt"/>
+              <a:ea typeface="+mn-ea"/>
+              <a:cs typeface="+mn-cs"/>
+            </a:endParaRPr>
+          </a:p>
+          <a:p>
+            <a:pPr marL="1645920" marR="0" lvl="0" indent="-1645920" algn="ctr" defTabSz="4389120" rtl="0" eaLnBrk="1" fontAlgn="auto" latinLnBrk="0" hangingPunct="1">
+              <a:lnSpc>
+                <a:spcPct val="100000"/>
+              </a:lnSpc>
+              <a:spcBef>
+                <a:spcPct val="20000"/>
+              </a:spcBef>
+              <a:spcAft>
+                <a:spcPts val="0"/>
+              </a:spcAft>
+              <a:buClrTx/>
+              <a:buSzTx/>
+              <a:buFont typeface="Arial" panose="020B0604020202020204" pitchFamily="34" charset="0"/>
+              <a:buChar char="•"/>
+              <a:tabLst/>
+              <a:defRPr/>
+            </a:pPr>
+            <a:endParaRPr lang="en-US" sz="6000" dirty="0">
+              <a:latin typeface="+mj-lt"/>
+            </a:endParaRPr>
+          </a:p>
+          <a:p>
+            <a:pPr marR="0" lvl="0" algn="ctr" defTabSz="4389120" rtl="0" eaLnBrk="1" fontAlgn="auto" latinLnBrk="0" hangingPunct="1">
+              <a:lnSpc>
+                <a:spcPct val="100000"/>
+              </a:lnSpc>
+              <a:spcBef>
+                <a:spcPct val="20000"/>
+              </a:spcBef>
+              <a:spcAft>
+                <a:spcPts val="0"/>
+              </a:spcAft>
+              <a:buClrTx/>
+              <a:buSzTx/>
+              <a:tabLst/>
+              <a:defRPr/>
+            </a:pPr>
+            <a:endParaRPr lang="en-US" sz="6000" dirty="0">
+              <a:latin typeface="+mj-lt"/>
+            </a:endParaRPr>
+          </a:p>
+        </p:txBody>
+      </p:sp>
+      <p:sp>
+        <p:nvSpPr>
+          <p:cNvPr id="7" name="Content Placeholder 9">
+            <a:extLst>
+              <a:ext uri="{FF2B5EF4-FFF2-40B4-BE49-F238E27FC236}">
+                <a16:creationId xmlns:a16="http://schemas.microsoft.com/office/drawing/2014/main" id="{9375D6B0-6C11-9BC6-DC18-26603015D2EC}"/>
+              </a:ext>
+            </a:extLst>
+          </p:cNvPr>
+          <p:cNvSpPr txBox="1">
+            <a:spLocks/>
+          </p:cNvSpPr>
+          <p:nvPr/>
+        </p:nvSpPr>
+        <p:spPr>
+          <a:xfrm>
+            <a:off x="29442603" y="14554199"/>
+            <a:ext cx="13844016" cy="5334000"/>
+          </a:xfrm>
+          <a:prstGeom prst="rect">
+            <a:avLst/>
+          </a:prstGeom>
+          <a:ln>
+            <a:solidFill>
+              <a:schemeClr val="bg1">
+                <a:lumMod val="75000"/>
+              </a:schemeClr>
+            </a:solidFill>
+            <a:prstDash val="sysDot"/>
+          </a:ln>
+        </p:spPr>
+        <p:txBody>
+          <a:bodyPr/>
+          <a:lstStyle>
+            <a:lvl1pPr marL="1645920" indent="-1645920" algn="ctr" defTabSz="4389120" rtl="0" eaLnBrk="1" latinLnBrk="0" hangingPunct="1">
+              <a:spcBef>
+                <a:spcPct val="20000"/>
+              </a:spcBef>
+              <a:buFont typeface="Arial" pitchFamily="34" charset="0"/>
+              <a:buNone/>
+              <a:defRPr sz="6000" kern="1200">
+                <a:solidFill>
+                  <a:schemeClr val="tx1"/>
+                </a:solidFill>
+                <a:latin typeface="+mj-lt"/>
+                <a:ea typeface="+mn-ea"/>
+                <a:cs typeface="+mn-cs"/>
+              </a:defRPr>
+            </a:lvl1pPr>
+            <a:lvl2pPr marL="3566160" indent="-1371600" algn="l" defTabSz="4389120" rtl="0" eaLnBrk="1" latinLnBrk="0" hangingPunct="1">
+              <a:spcBef>
+                <a:spcPct val="20000"/>
+              </a:spcBef>
+              <a:buFont typeface="Arial" pitchFamily="34" charset="0"/>
+              <a:buChar char="–"/>
+              <a:defRPr sz="13400" kern="1200">
+                <a:solidFill>
+                  <a:schemeClr val="tx1"/>
+                </a:solidFill>
+                <a:latin typeface="+mn-lt"/>
+                <a:ea typeface="+mn-ea"/>
+                <a:cs typeface="+mn-cs"/>
+              </a:defRPr>
+            </a:lvl2pPr>
+            <a:lvl3pPr marL="5486400" indent="-1097280" algn="l" defTabSz="4389120" rtl="0" eaLnBrk="1" latinLnBrk="0" hangingPunct="1">
+              <a:spcBef>
+                <a:spcPct val="20000"/>
+              </a:spcBef>
+              <a:buFont typeface="Arial" pitchFamily="34" charset="0"/>
+              <a:buChar char="•"/>
+              <a:defRPr sz="11500" kern="1200">
+                <a:solidFill>
+                  <a:schemeClr val="tx1"/>
+                </a:solidFill>
+                <a:latin typeface="+mn-lt"/>
+                <a:ea typeface="+mn-ea"/>
+                <a:cs typeface="+mn-cs"/>
+              </a:defRPr>
+            </a:lvl3pPr>
+            <a:lvl4pPr marL="7680960" indent="-1097280" algn="l" defTabSz="4389120" rtl="0" eaLnBrk="1" latinLnBrk="0" hangingPunct="1">
+              <a:spcBef>
+                <a:spcPct val="20000"/>
+              </a:spcBef>
+              <a:buFont typeface="Arial" pitchFamily="34" charset="0"/>
+              <a:buChar char="–"/>
+              <a:defRPr sz="9600" kern="1200">
+                <a:solidFill>
+                  <a:schemeClr val="tx1"/>
+                </a:solidFill>
+                <a:latin typeface="+mn-lt"/>
+                <a:ea typeface="+mn-ea"/>
+                <a:cs typeface="+mn-cs"/>
+              </a:defRPr>
+            </a:lvl4pPr>
+            <a:lvl5pPr marL="9875520" indent="-1097280" algn="l" defTabSz="4389120" rtl="0" eaLnBrk="1" latinLnBrk="0" hangingPunct="1">
+              <a:spcBef>
+                <a:spcPct val="20000"/>
+              </a:spcBef>
+              <a:buFont typeface="Arial" pitchFamily="34" charset="0"/>
+              <a:buChar char="»"/>
+              <a:defRPr sz="9600" kern="1200">
+                <a:solidFill>
+                  <a:schemeClr val="tx1"/>
+                </a:solidFill>
+                <a:latin typeface="+mn-lt"/>
+                <a:ea typeface="+mn-ea"/>
+                <a:cs typeface="+mn-cs"/>
+              </a:defRPr>
+            </a:lvl5pPr>
+            <a:lvl6pPr marL="12070080" indent="-1097280" algn="l" defTabSz="4389120" rtl="0" eaLnBrk="1" latinLnBrk="0" hangingPunct="1">
+              <a:spcBef>
+                <a:spcPct val="20000"/>
+              </a:spcBef>
+              <a:buFont typeface="Arial" pitchFamily="34" charset="0"/>
+              <a:buChar char="•"/>
+              <a:defRPr sz="9600" kern="1200">
+                <a:solidFill>
+                  <a:schemeClr val="tx1"/>
+                </a:solidFill>
+                <a:latin typeface="+mn-lt"/>
+                <a:ea typeface="+mn-ea"/>
+                <a:cs typeface="+mn-cs"/>
+              </a:defRPr>
+            </a:lvl6pPr>
+            <a:lvl7pPr marL="14264640" indent="-1097280" algn="l" defTabSz="4389120" rtl="0" eaLnBrk="1" latinLnBrk="0" hangingPunct="1">
+              <a:spcBef>
+                <a:spcPct val="20000"/>
+              </a:spcBef>
+              <a:buFont typeface="Arial" pitchFamily="34" charset="0"/>
+              <a:buChar char="•"/>
+              <a:defRPr sz="9600" kern="1200">
+                <a:solidFill>
+                  <a:schemeClr val="tx1"/>
+                </a:solidFill>
+                <a:latin typeface="+mn-lt"/>
+                <a:ea typeface="+mn-ea"/>
+                <a:cs typeface="+mn-cs"/>
+              </a:defRPr>
+            </a:lvl7pPr>
+            <a:lvl8pPr marL="16459200" indent="-1097280" algn="l" defTabSz="4389120" rtl="0" eaLnBrk="1" latinLnBrk="0" hangingPunct="1">
+              <a:spcBef>
+                <a:spcPct val="20000"/>
+              </a:spcBef>
+              <a:buFont typeface="Arial" pitchFamily="34" charset="0"/>
+              <a:buChar char="•"/>
+              <a:defRPr sz="9600" kern="1200">
+                <a:solidFill>
+                  <a:schemeClr val="tx1"/>
+                </a:solidFill>
+                <a:latin typeface="+mn-lt"/>
+                <a:ea typeface="+mn-ea"/>
+                <a:cs typeface="+mn-cs"/>
+              </a:defRPr>
+            </a:lvl8pPr>
+            <a:lvl9pPr marL="18653760" indent="-1097280" algn="l" defTabSz="4389120" rtl="0" eaLnBrk="1" latinLnBrk="0" hangingPunct="1">
+              <a:spcBef>
+                <a:spcPct val="20000"/>
+              </a:spcBef>
+              <a:buFont typeface="Arial" pitchFamily="34" charset="0"/>
+              <a:buChar char="•"/>
+              <a:defRPr sz="9600" kern="1200">
+                <a:solidFill>
+                  <a:schemeClr val="tx1"/>
+                </a:solidFill>
+                <a:latin typeface="+mn-lt"/>
+                <a:ea typeface="+mn-ea"/>
+                <a:cs typeface="+mn-cs"/>
+              </a:defRPr>
+            </a:lvl9pPr>
+          </a:lstStyle>
+          <a:p>
+            <a:endParaRPr lang="en-US" b="1" u="sng" dirty="0"/>
+          </a:p>
+          <a:p>
+            <a:r>
+              <a:rPr lang="en-US" b="1" u="sng" dirty="0"/>
+              <a:t>Future Work</a:t>
+            </a:r>
+          </a:p>
+          <a:p>
+            <a:pPr algn="l">
+              <a:buFont typeface="Arial" pitchFamily="34" charset="0"/>
+              <a:buChar char="•"/>
+            </a:pPr>
+            <a:r>
+              <a:rPr lang="en-US" sz="4800" dirty="0"/>
+              <a:t>Create a more sophisticated clustering algorithm for emotional situations</a:t>
+            </a:r>
+          </a:p>
+          <a:p>
+            <a:pPr algn="l">
+              <a:buFont typeface="Arial" pitchFamily="34" charset="0"/>
+              <a:buChar char="•"/>
+            </a:pPr>
+            <a:r>
+              <a:rPr lang="en-US" sz="4800" dirty="0"/>
+              <a:t>Integrate PICA into mobile app</a:t>
+            </a:r>
+          </a:p>
+        </p:txBody>
+      </p:sp>
+      <p:sp>
+        <p:nvSpPr>
+          <p:cNvPr id="8" name="Content Placeholder 9">
+            <a:extLst>
+              <a:ext uri="{FF2B5EF4-FFF2-40B4-BE49-F238E27FC236}">
+                <a16:creationId xmlns:a16="http://schemas.microsoft.com/office/drawing/2014/main" id="{FE0F88CC-4545-8F5E-9184-ECE80B816E9F}"/>
+              </a:ext>
+            </a:extLst>
+          </p:cNvPr>
+          <p:cNvSpPr txBox="1">
+            <a:spLocks/>
+          </p:cNvSpPr>
+          <p:nvPr/>
+        </p:nvSpPr>
+        <p:spPr>
+          <a:xfrm>
+            <a:off x="624459" y="26746201"/>
+            <a:ext cx="13844016" cy="5333999"/>
+          </a:xfrm>
+          <a:prstGeom prst="rect">
+            <a:avLst/>
+          </a:prstGeom>
+          <a:ln>
+            <a:solidFill>
+              <a:schemeClr val="bg1">
+                <a:lumMod val="75000"/>
+              </a:schemeClr>
+            </a:solidFill>
+            <a:prstDash val="sysDot"/>
+          </a:ln>
+        </p:spPr>
+        <p:txBody>
+          <a:bodyPr/>
+          <a:lstStyle>
+            <a:lvl1pPr algn="ctr">
+              <a:buNone/>
+              <a:defRPr/>
+            </a:lvl1pPr>
+          </a:lstStyle>
+          <a:p>
+            <a:pPr marR="0" lvl="0" algn="ctr" defTabSz="4389120" rtl="0" eaLnBrk="1" fontAlgn="auto" latinLnBrk="0" hangingPunct="1">
+              <a:lnSpc>
+                <a:spcPct val="100000"/>
+              </a:lnSpc>
+              <a:spcBef>
+                <a:spcPct val="20000"/>
+              </a:spcBef>
+              <a:spcAft>
+                <a:spcPts val="0"/>
+              </a:spcAft>
+              <a:buClrTx/>
+              <a:buSzTx/>
+              <a:tabLst/>
+              <a:defRPr/>
+            </a:pPr>
+            <a:endParaRPr lang="en-US" sz="6000" dirty="0">
+              <a:latin typeface="+mj-lt"/>
+            </a:endParaRPr>
+          </a:p>
+          <a:p>
+            <a:pPr marL="1645920" marR="0" lvl="0" indent="-1645920" algn="ctr" defTabSz="4389120" rtl="0" eaLnBrk="1" fontAlgn="auto" latinLnBrk="0" hangingPunct="1">
+              <a:lnSpc>
+                <a:spcPct val="100000"/>
+              </a:lnSpc>
+              <a:spcBef>
+                <a:spcPct val="20000"/>
+              </a:spcBef>
+              <a:spcAft>
+                <a:spcPts val="0"/>
+              </a:spcAft>
+              <a:buClrTx/>
+              <a:buSzTx/>
+              <a:buFont typeface="Arial" pitchFamily="34" charset="0"/>
+              <a:buNone/>
+              <a:tabLst/>
+              <a:defRPr/>
+            </a:pPr>
+            <a:r>
+              <a:rPr kumimoji="0" lang="en-US" sz="6000" b="1" i="0" u="sng" strike="noStrike" kern="1200" cap="none" spc="0" normalizeH="0" baseline="0" noProof="0" dirty="0">
+                <a:ln>
+                  <a:noFill/>
+                </a:ln>
+                <a:solidFill>
+                  <a:schemeClr val="tx1"/>
+                </a:solidFill>
+                <a:effectLst/>
+                <a:uLnTx/>
+                <a:uFillTx/>
+                <a:latin typeface="+mj-lt"/>
+                <a:ea typeface="+mn-ea"/>
+                <a:cs typeface="+mn-cs"/>
+              </a:rPr>
+              <a:t>Technologies</a:t>
+            </a:r>
+          </a:p>
+          <a:p>
+            <a:pPr marL="1645920" marR="0" lvl="0" indent="-1645920" algn="l" defTabSz="4389120" rtl="0" eaLnBrk="1" fontAlgn="auto" latinLnBrk="0" hangingPunct="1">
+              <a:lnSpc>
+                <a:spcPct val="100000"/>
+              </a:lnSpc>
+              <a:spcBef>
+                <a:spcPct val="20000"/>
+              </a:spcBef>
+              <a:spcAft>
+                <a:spcPts val="0"/>
+              </a:spcAft>
+              <a:buClrTx/>
+              <a:buSzTx/>
+              <a:buFont typeface="Arial" panose="020B0604020202020204" pitchFamily="34" charset="0"/>
+              <a:buChar char="•"/>
+              <a:tabLst/>
+              <a:defRPr/>
+            </a:pPr>
+            <a:r>
+              <a:rPr lang="en-US" sz="4800" dirty="0">
+                <a:latin typeface="+mj-lt"/>
+              </a:rPr>
+              <a:t>Hosted on PythonAnywhere</a:t>
+            </a:r>
+          </a:p>
+          <a:p>
+            <a:pPr marL="1645920" marR="0" lvl="0" indent="-1645920" algn="l" defTabSz="4389120" rtl="0" eaLnBrk="1" fontAlgn="auto" latinLnBrk="0" hangingPunct="1">
+              <a:lnSpc>
+                <a:spcPct val="100000"/>
+              </a:lnSpc>
+              <a:spcBef>
+                <a:spcPct val="20000"/>
+              </a:spcBef>
+              <a:spcAft>
+                <a:spcPts val="0"/>
+              </a:spcAft>
+              <a:buClrTx/>
+              <a:buSzTx/>
+              <a:buFont typeface="Arial" panose="020B0604020202020204" pitchFamily="34" charset="0"/>
+              <a:buChar char="•"/>
+              <a:tabLst/>
+              <a:defRPr/>
+            </a:pPr>
+            <a:r>
+              <a:rPr lang="en-US" sz="4800" dirty="0">
+                <a:latin typeface="+mj-lt"/>
+              </a:rPr>
+              <a:t>Database: MongoDB Atlas</a:t>
+            </a:r>
+            <a:endParaRPr lang="en-US" sz="6000" dirty="0">
+              <a:latin typeface="+mj-lt"/>
+            </a:endParaRPr>
+          </a:p>
+          <a:p>
+            <a:pPr marR="0" lvl="0" algn="ctr" defTabSz="4389120" rtl="0" eaLnBrk="1" fontAlgn="auto" latinLnBrk="0" hangingPunct="1">
+              <a:lnSpc>
+                <a:spcPct val="100000"/>
+              </a:lnSpc>
+              <a:spcBef>
+                <a:spcPct val="20000"/>
+              </a:spcBef>
+              <a:spcAft>
+                <a:spcPts val="0"/>
+              </a:spcAft>
+              <a:buClrTx/>
+              <a:buSzTx/>
+              <a:tabLst/>
+              <a:defRPr/>
+            </a:pPr>
+            <a:endParaRPr lang="en-US" sz="6000" dirty="0">
+              <a:latin typeface="+mj-lt"/>
+            </a:endParaRPr>
+          </a:p>
+          <a:p>
+            <a:pPr marR="0" lvl="0" algn="ctr" defTabSz="4389120" rtl="0" eaLnBrk="1" fontAlgn="auto" latinLnBrk="0" hangingPunct="1">
+              <a:lnSpc>
+                <a:spcPct val="100000"/>
+              </a:lnSpc>
+              <a:spcBef>
+                <a:spcPct val="20000"/>
+              </a:spcBef>
+              <a:spcAft>
+                <a:spcPts val="0"/>
+              </a:spcAft>
+              <a:buClrTx/>
+              <a:buSzTx/>
+              <a:tabLst/>
+              <a:defRPr/>
+            </a:pPr>
+            <a:endParaRPr lang="en-US" sz="6000" dirty="0">
+              <a:latin typeface="+mj-lt"/>
+            </a:endParaRPr>
+          </a:p>
+          <a:p>
+            <a:pPr marR="0" lvl="0" algn="ctr" defTabSz="4389120" rtl="0" eaLnBrk="1" fontAlgn="auto" latinLnBrk="0" hangingPunct="1">
+              <a:lnSpc>
+                <a:spcPct val="100000"/>
+              </a:lnSpc>
+              <a:spcBef>
+                <a:spcPct val="20000"/>
+              </a:spcBef>
+              <a:spcAft>
+                <a:spcPts val="0"/>
+              </a:spcAft>
+              <a:buClrTx/>
+              <a:buSzTx/>
+              <a:tabLst/>
+              <a:defRPr/>
+            </a:pPr>
+            <a:endParaRPr kumimoji="0" lang="en-US" sz="6000" b="1" i="0" u="sng" strike="noStrike" kern="1200" cap="none" spc="0" normalizeH="0" baseline="0" noProof="0" dirty="0">
+              <a:ln>
+                <a:noFill/>
+              </a:ln>
+              <a:solidFill>
+                <a:schemeClr val="tx1"/>
+              </a:solidFill>
+              <a:effectLst/>
+              <a:uLnTx/>
+              <a:uFillTx/>
+              <a:latin typeface="+mj-lt"/>
+              <a:ea typeface="+mn-ea"/>
+              <a:cs typeface="+mn-cs"/>
+            </a:endParaRPr>
+          </a:p>
+          <a:p>
+            <a:pPr marL="1645920" marR="0" lvl="0" indent="-1645920" algn="ctr" defTabSz="4389120" rtl="0" eaLnBrk="1" fontAlgn="auto" latinLnBrk="0" hangingPunct="1">
+              <a:lnSpc>
+                <a:spcPct val="100000"/>
+              </a:lnSpc>
+              <a:spcBef>
+                <a:spcPct val="20000"/>
+              </a:spcBef>
+              <a:spcAft>
+                <a:spcPts val="0"/>
+              </a:spcAft>
+              <a:buClrTx/>
+              <a:buSzTx/>
+              <a:buFont typeface="Arial" panose="020B0604020202020204" pitchFamily="34" charset="0"/>
+              <a:buChar char="•"/>
+              <a:tabLst/>
+              <a:defRPr/>
+            </a:pPr>
+            <a:endParaRPr lang="en-US" sz="6000" dirty="0">
+              <a:latin typeface="+mj-lt"/>
+            </a:endParaRPr>
+          </a:p>
+          <a:p>
+            <a:pPr marR="0" lvl="0" algn="ctr" defTabSz="4389120" rtl="0" eaLnBrk="1" fontAlgn="auto" latinLnBrk="0" hangingPunct="1">
+              <a:lnSpc>
+                <a:spcPct val="100000"/>
+              </a:lnSpc>
+              <a:spcBef>
+                <a:spcPct val="20000"/>
+              </a:spcBef>
+              <a:spcAft>
+                <a:spcPts val="0"/>
+              </a:spcAft>
+              <a:buClrTx/>
+              <a:buSzTx/>
+              <a:tabLst/>
+              <a:defRPr/>
+            </a:pPr>
+            <a:endParaRPr lang="en-US" sz="6000" dirty="0">
+              <a:latin typeface="+mj-lt"/>
+            </a:endParaRPr>
+          </a:p>
+        </p:txBody>
+      </p:sp>
+      <p:sp>
+        <p:nvSpPr>
+          <p:cNvPr id="9" name="Content Placeholder 9">
+            <a:extLst>
+              <a:ext uri="{FF2B5EF4-FFF2-40B4-BE49-F238E27FC236}">
+                <a16:creationId xmlns:a16="http://schemas.microsoft.com/office/drawing/2014/main" id="{4385386A-23AE-B54D-3051-E5EC60BB62BC}"/>
+              </a:ext>
+            </a:extLst>
+          </p:cNvPr>
+          <p:cNvSpPr txBox="1">
+            <a:spLocks/>
+          </p:cNvSpPr>
+          <p:nvPr/>
+        </p:nvSpPr>
+        <p:spPr>
+          <a:xfrm>
+            <a:off x="29442603" y="20116800"/>
+            <a:ext cx="13844016" cy="7086600"/>
+          </a:xfrm>
+          <a:prstGeom prst="rect">
+            <a:avLst/>
+          </a:prstGeom>
+          <a:ln>
+            <a:solidFill>
+              <a:schemeClr val="bg1">
+                <a:lumMod val="75000"/>
+              </a:schemeClr>
+            </a:solidFill>
+            <a:prstDash val="sysDot"/>
+          </a:ln>
+        </p:spPr>
+        <p:txBody>
+          <a:bodyPr/>
+          <a:lstStyle>
+            <a:lvl1pPr marL="1645920" indent="-1645920" algn="ctr" defTabSz="4389120" rtl="0" eaLnBrk="1" latinLnBrk="0" hangingPunct="1">
+              <a:spcBef>
+                <a:spcPct val="20000"/>
+              </a:spcBef>
+              <a:buFont typeface="Arial" pitchFamily="34" charset="0"/>
+              <a:buNone/>
+              <a:defRPr sz="6000" kern="1200">
+                <a:solidFill>
+                  <a:schemeClr val="tx1"/>
+                </a:solidFill>
+                <a:latin typeface="+mj-lt"/>
+                <a:ea typeface="+mn-ea"/>
+                <a:cs typeface="+mn-cs"/>
+              </a:defRPr>
+            </a:lvl1pPr>
+            <a:lvl2pPr marL="3566160" indent="-1371600" algn="l" defTabSz="4389120" rtl="0" eaLnBrk="1" latinLnBrk="0" hangingPunct="1">
+              <a:spcBef>
+                <a:spcPct val="20000"/>
+              </a:spcBef>
+              <a:buFont typeface="Arial" pitchFamily="34" charset="0"/>
+              <a:buChar char="–"/>
+              <a:defRPr sz="13400" kern="1200">
+                <a:solidFill>
+                  <a:schemeClr val="tx1"/>
+                </a:solidFill>
+                <a:latin typeface="+mn-lt"/>
+                <a:ea typeface="+mn-ea"/>
+                <a:cs typeface="+mn-cs"/>
+              </a:defRPr>
+            </a:lvl2pPr>
+            <a:lvl3pPr marL="5486400" indent="-1097280" algn="l" defTabSz="4389120" rtl="0" eaLnBrk="1" latinLnBrk="0" hangingPunct="1">
+              <a:spcBef>
+                <a:spcPct val="20000"/>
+              </a:spcBef>
+              <a:buFont typeface="Arial" pitchFamily="34" charset="0"/>
+              <a:buChar char="•"/>
+              <a:defRPr sz="11500" kern="1200">
+                <a:solidFill>
+                  <a:schemeClr val="tx1"/>
+                </a:solidFill>
+                <a:latin typeface="+mn-lt"/>
+                <a:ea typeface="+mn-ea"/>
+                <a:cs typeface="+mn-cs"/>
+              </a:defRPr>
+            </a:lvl3pPr>
+            <a:lvl4pPr marL="7680960" indent="-1097280" algn="l" defTabSz="4389120" rtl="0" eaLnBrk="1" latinLnBrk="0" hangingPunct="1">
+              <a:spcBef>
+                <a:spcPct val="20000"/>
+              </a:spcBef>
+              <a:buFont typeface="Arial" pitchFamily="34" charset="0"/>
+              <a:buChar char="–"/>
+              <a:defRPr sz="9600" kern="1200">
+                <a:solidFill>
+                  <a:schemeClr val="tx1"/>
+                </a:solidFill>
+                <a:latin typeface="+mn-lt"/>
+                <a:ea typeface="+mn-ea"/>
+                <a:cs typeface="+mn-cs"/>
+              </a:defRPr>
+            </a:lvl4pPr>
+            <a:lvl5pPr marL="9875520" indent="-1097280" algn="l" defTabSz="4389120" rtl="0" eaLnBrk="1" latinLnBrk="0" hangingPunct="1">
+              <a:spcBef>
+                <a:spcPct val="20000"/>
+              </a:spcBef>
+              <a:buFont typeface="Arial" pitchFamily="34" charset="0"/>
+              <a:buChar char="»"/>
+              <a:defRPr sz="9600" kern="1200">
+                <a:solidFill>
+                  <a:schemeClr val="tx1"/>
+                </a:solidFill>
+                <a:latin typeface="+mn-lt"/>
+                <a:ea typeface="+mn-ea"/>
+                <a:cs typeface="+mn-cs"/>
+              </a:defRPr>
+            </a:lvl5pPr>
+            <a:lvl6pPr marL="12070080" indent="-1097280" algn="l" defTabSz="4389120" rtl="0" eaLnBrk="1" latinLnBrk="0" hangingPunct="1">
+              <a:spcBef>
+                <a:spcPct val="20000"/>
+              </a:spcBef>
+              <a:buFont typeface="Arial" pitchFamily="34" charset="0"/>
+              <a:buChar char="•"/>
+              <a:defRPr sz="9600" kern="1200">
+                <a:solidFill>
+                  <a:schemeClr val="tx1"/>
+                </a:solidFill>
+                <a:latin typeface="+mn-lt"/>
+                <a:ea typeface="+mn-ea"/>
+                <a:cs typeface="+mn-cs"/>
+              </a:defRPr>
+            </a:lvl6pPr>
+            <a:lvl7pPr marL="14264640" indent="-1097280" algn="l" defTabSz="4389120" rtl="0" eaLnBrk="1" latinLnBrk="0" hangingPunct="1">
+              <a:spcBef>
+                <a:spcPct val="20000"/>
+              </a:spcBef>
+              <a:buFont typeface="Arial" pitchFamily="34" charset="0"/>
+              <a:buChar char="•"/>
+              <a:defRPr sz="9600" kern="1200">
+                <a:solidFill>
+                  <a:schemeClr val="tx1"/>
+                </a:solidFill>
+                <a:latin typeface="+mn-lt"/>
+                <a:ea typeface="+mn-ea"/>
+                <a:cs typeface="+mn-cs"/>
+              </a:defRPr>
+            </a:lvl7pPr>
+            <a:lvl8pPr marL="16459200" indent="-1097280" algn="l" defTabSz="4389120" rtl="0" eaLnBrk="1" latinLnBrk="0" hangingPunct="1">
+              <a:spcBef>
+                <a:spcPct val="20000"/>
+              </a:spcBef>
+              <a:buFont typeface="Arial" pitchFamily="34" charset="0"/>
+              <a:buChar char="•"/>
+              <a:defRPr sz="9600" kern="1200">
+                <a:solidFill>
+                  <a:schemeClr val="tx1"/>
+                </a:solidFill>
+                <a:latin typeface="+mn-lt"/>
+                <a:ea typeface="+mn-ea"/>
+                <a:cs typeface="+mn-cs"/>
+              </a:defRPr>
+            </a:lvl8pPr>
+            <a:lvl9pPr marL="18653760" indent="-1097280" algn="l" defTabSz="4389120" rtl="0" eaLnBrk="1" latinLnBrk="0" hangingPunct="1">
+              <a:spcBef>
+                <a:spcPct val="20000"/>
+              </a:spcBef>
+              <a:buFont typeface="Arial" pitchFamily="34" charset="0"/>
+              <a:buChar char="•"/>
+              <a:defRPr sz="9600" kern="1200">
+                <a:solidFill>
+                  <a:schemeClr val="tx1"/>
+                </a:solidFill>
+                <a:latin typeface="+mn-lt"/>
+                <a:ea typeface="+mn-ea"/>
+                <a:cs typeface="+mn-cs"/>
+              </a:defRPr>
+            </a:lvl9pPr>
+          </a:lstStyle>
+          <a:p>
+            <a:endParaRPr lang="en-US" b="1" u="sng" dirty="0"/>
+          </a:p>
+          <a:p>
+            <a:r>
+              <a:rPr lang="en-US" b="1" u="sng" dirty="0"/>
+              <a:t>Glossary</a:t>
+            </a:r>
+          </a:p>
+          <a:p>
+            <a:pPr algn="l">
+              <a:buFont typeface="Arial" pitchFamily="34" charset="0"/>
+              <a:buChar char="•"/>
+            </a:pPr>
+            <a:r>
+              <a:rPr lang="en-US" sz="4800" dirty="0"/>
+              <a:t>MongoDB Atlas: A cloud-based NoSQL database used to securely store survey and emotional pattern data</a:t>
+            </a:r>
+          </a:p>
+          <a:p>
+            <a:pPr algn="l">
+              <a:buFont typeface="Arial" pitchFamily="34" charset="0"/>
+              <a:buChar char="•"/>
+            </a:pPr>
+            <a:r>
+              <a:rPr lang="en-US" sz="4800" dirty="0"/>
+              <a:t>PythonAnywhere: A cloud platform used to host and deploy the web application</a:t>
+            </a:r>
+          </a:p>
+          <a:p>
+            <a:endParaRPr lang="en-US" b="1" u="sng" dirty="0"/>
+          </a:p>
+        </p:txBody>
+      </p:sp>
     </p:spTree>
   </p:cSld>
   <p:clrMapOvr>

--- a/Project Documents/Spring 2025/PICA poster.pptx
+++ b/Project Documents/Spring 2025/PICA poster.pptx
@@ -1696,10 +1696,27 @@
               <a:rPr lang="en-US" sz="4800" dirty="0"/>
               <a:t>Allows doctors to better understand their patients and create stronger treatment plans</a:t>
             </a:r>
-          </a:p>
-          <a:p>
-            <a:pPr lvl="0"/>
-            <a:endParaRPr lang="en-US" b="1" u="sng" dirty="0"/>
+            <a:endParaRPr lang="en-US" sz="4800" b="1" u="sng" dirty="0"/>
+          </a:p>
+          <a:p>
+            <a:pPr lvl="0" algn="l">
+              <a:buFont typeface="Arial" panose="020B0604020202020204" pitchFamily="34" charset="0"/>
+              <a:buChar char="•"/>
+            </a:pPr>
+            <a:r>
+              <a:rPr lang="en-US" sz="4800" dirty="0"/>
+              <a:t>Helps users to get a better understanding of themselves and their personality structure</a:t>
+            </a:r>
+          </a:p>
+          <a:p>
+            <a:pPr lvl="0" algn="l">
+              <a:buFont typeface="Arial" panose="020B0604020202020204" pitchFamily="34" charset="0"/>
+              <a:buChar char="•"/>
+            </a:pPr>
+            <a:r>
+              <a:rPr lang="en-US" sz="4800" dirty="0"/>
+              <a:t>Gathers more data about how a patient’s temperament affects their response to treatment</a:t>
+            </a:r>
           </a:p>
         </p:txBody>
       </p:sp>
@@ -2610,24 +2627,29 @@
             </a:endParaRPr>
           </a:p>
           <a:p>
-            <a:pPr marR="0" lvl="0" algn="ctr" defTabSz="4389120" rtl="0" eaLnBrk="1" fontAlgn="auto" latinLnBrk="0" hangingPunct="1">
-              <a:lnSpc>
-                <a:spcPct val="100000"/>
-              </a:lnSpc>
-              <a:spcBef>
-                <a:spcPct val="20000"/>
-              </a:spcBef>
-              <a:spcAft>
-                <a:spcPts val="0"/>
-              </a:spcAft>
-              <a:buClrTx/>
-              <a:buSzTx/>
-              <a:tabLst/>
-              <a:defRPr/>
-            </a:pPr>
-            <a:endParaRPr lang="en-US" sz="6000" dirty="0">
-              <a:latin typeface="+mj-lt"/>
-            </a:endParaRPr>
+            <a:pPr marL="1645920" marR="0" lvl="0" indent="-1645920" algn="l" defTabSz="4389120" rtl="0" eaLnBrk="1" fontAlgn="auto" latinLnBrk="0" hangingPunct="1">
+              <a:lnSpc>
+                <a:spcPct val="100000"/>
+              </a:lnSpc>
+              <a:spcBef>
+                <a:spcPct val="20000"/>
+              </a:spcBef>
+              <a:spcAft>
+                <a:spcPts val="0"/>
+              </a:spcAft>
+              <a:buClrTx/>
+              <a:buSzTx/>
+              <a:buFont typeface="Arial" panose="020B0604020202020204" pitchFamily="34" charset="0"/>
+              <a:buChar char="•"/>
+              <a:tabLst/>
+              <a:defRPr/>
+            </a:pPr>
+            <a:r>
+              <a:rPr lang="en-US" sz="4800" dirty="0">
+                <a:latin typeface="+mj-lt"/>
+              </a:rPr>
+              <a:t>Coded with Flask and Python</a:t>
+            </a:r>
           </a:p>
           <a:p>
             <a:pPr marR="0" lvl="0" algn="ctr" defTabSz="4389120" rtl="0" eaLnBrk="1" fontAlgn="auto" latinLnBrk="0" hangingPunct="1">
@@ -2909,8 +2931,12 @@
               <a:buChar char="•"/>
             </a:pPr>
             <a:r>
+              <a:rPr lang="en-US" sz="4800" b="1" dirty="0"/>
+              <a:t>MongoDB Atlas</a:t>
+            </a:r>
+            <a:r>
               <a:rPr lang="en-US" sz="4800" dirty="0"/>
-              <a:t>MongoDB Atlas: A cloud-based NoSQL database used to securely store survey and emotional pattern data</a:t>
+              <a:t>: A cloud-based NoSQL database used to securely store survey and emotional pattern data</a:t>
             </a:r>
           </a:p>
           <a:p>
@@ -2919,8 +2945,12 @@
               <a:buChar char="•"/>
             </a:pPr>
             <a:r>
+              <a:rPr lang="en-US" sz="4800" b="1" dirty="0"/>
+              <a:t>PythonAnywhere</a:t>
+            </a:r>
+            <a:r>
               <a:rPr lang="en-US" sz="4800" dirty="0"/>
-              <a:t>PythonAnywhere: A cloud platform used to host and deploy the web application</a:t>
+              <a:t>: A cloud platform used to host and deploy the web application</a:t>
             </a:r>
           </a:p>
           <a:p>
@@ -2928,6 +2958,83 @@
           </a:p>
         </p:txBody>
       </p:sp>
+      <p:pic>
+        <p:nvPicPr>
+          <p:cNvPr id="11" name="Picture 10">
+            <a:extLst>
+              <a:ext uri="{FF2B5EF4-FFF2-40B4-BE49-F238E27FC236}">
+                <a16:creationId xmlns:a16="http://schemas.microsoft.com/office/drawing/2014/main" id="{BB665AE8-AF0C-79A8-A7AC-9C60BAA85188}"/>
+              </a:ext>
+            </a:extLst>
+          </p:cNvPr>
+          <p:cNvPicPr>
+            <a:picLocks noChangeAspect="1"/>
+          </p:cNvPicPr>
+          <p:nvPr/>
+        </p:nvPicPr>
+        <p:blipFill>
+          <a:blip r:embed="rId3"/>
+          <a:stretch>
+            <a:fillRect/>
+          </a:stretch>
+        </p:blipFill>
+        <p:spPr>
+          <a:xfrm>
+            <a:off x="15049500" y="17678401"/>
+            <a:ext cx="13844016" cy="3215850"/>
+          </a:xfrm>
+          <a:prstGeom prst="rect">
+            <a:avLst/>
+          </a:prstGeom>
+          <a:ln>
+            <a:solidFill>
+              <a:schemeClr val="bg1">
+                <a:lumMod val="75000"/>
+              </a:schemeClr>
+            </a:solidFill>
+          </a:ln>
+        </p:spPr>
+      </p:pic>
+      <p:pic>
+        <p:nvPicPr>
+          <p:cNvPr id="13" name="Picture 12">
+            <a:extLst>
+              <a:ext uri="{FF2B5EF4-FFF2-40B4-BE49-F238E27FC236}">
+                <a16:creationId xmlns:a16="http://schemas.microsoft.com/office/drawing/2014/main" id="{09FC9648-A982-81CD-7932-DAB54BDD263F}"/>
+              </a:ext>
+            </a:extLst>
+          </p:cNvPr>
+          <p:cNvPicPr>
+            <a:picLocks noChangeAspect="1"/>
+          </p:cNvPicPr>
+          <p:nvPr/>
+        </p:nvPicPr>
+        <p:blipFill>
+          <a:blip r:embed="rId4"/>
+          <a:stretch>
+            <a:fillRect/>
+          </a:stretch>
+        </p:blipFill>
+        <p:spPr>
+          <a:xfrm>
+            <a:off x="15049501" y="21427652"/>
+            <a:ext cx="13844016" cy="8461538"/>
+          </a:xfrm>
+          <a:prstGeom prst="rect">
+            <a:avLst/>
+          </a:prstGeom>
+          <a:solidFill>
+            <a:schemeClr val="accent2"/>
+          </a:solidFill>
+          <a:ln>
+            <a:solidFill>
+              <a:schemeClr val="bg1">
+                <a:lumMod val="75000"/>
+              </a:schemeClr>
+            </a:solidFill>
+          </a:ln>
+        </p:spPr>
+      </p:pic>
     </p:spTree>
   </p:cSld>
   <p:clrMapOvr>

--- a/Project Documents/Spring 2025/PICA poster.pptx
+++ b/Project Documents/Spring 2025/PICA poster.pptx
@@ -963,9 +963,6 @@
           </a:lstStyle>
           <a:p>
             <a:pPr marL="0" marR="0" lvl="0" indent="0" algn="ctr" defTabSz="4389120" rtl="0" eaLnBrk="1" fontAlgn="auto" latinLnBrk="0" hangingPunct="1">
-              <a:lnSpc>
-                <a:spcPct val="100000"/>
-              </a:lnSpc>
               <a:spcBef>
                 <a:spcPct val="0"/>
               </a:spcBef>
@@ -1031,9 +1028,6 @@
           </a:lstStyle>
           <a:p>
             <a:pPr marR="0" lvl="0" algn="ctr" defTabSz="4389120" rtl="0" eaLnBrk="1" fontAlgn="auto" latinLnBrk="0" hangingPunct="1">
-              <a:lnSpc>
-                <a:spcPct val="100000"/>
-              </a:lnSpc>
               <a:spcBef>
                 <a:spcPct val="20000"/>
               </a:spcBef>
@@ -1051,9 +1045,6 @@
           </a:p>
           <a:p>
             <a:pPr marR="0" lvl="0" algn="ctr" defTabSz="4389120" rtl="0" eaLnBrk="1" fontAlgn="auto" latinLnBrk="0" hangingPunct="1">
-              <a:lnSpc>
-                <a:spcPct val="100000"/>
-              </a:lnSpc>
               <a:spcBef>
                 <a:spcPct val="20000"/>
               </a:spcBef>
@@ -1074,9 +1065,6 @@
           </a:p>
           <a:p>
             <a:pPr marL="857250" marR="0" lvl="0" indent="-857250" algn="l" defTabSz="4389120" rtl="0" eaLnBrk="1" fontAlgn="auto" latinLnBrk="0" hangingPunct="1">
-              <a:lnSpc>
-                <a:spcPct val="100000"/>
-              </a:lnSpc>
               <a:spcBef>
                 <a:spcPct val="20000"/>
               </a:spcBef>
@@ -1110,9 +1098,6 @@
           </a:p>
           <a:p>
             <a:pPr marL="857250" marR="0" lvl="0" indent="-857250" algn="l" defTabSz="4389120" rtl="0" eaLnBrk="1" fontAlgn="auto" latinLnBrk="0" hangingPunct="1">
-              <a:lnSpc>
-                <a:spcPct val="100000"/>
-              </a:lnSpc>
               <a:spcBef>
                 <a:spcPct val="20000"/>
               </a:spcBef>
@@ -1152,9 +1137,6 @@
           </a:p>
           <a:p>
             <a:pPr marL="857250" marR="0" lvl="0" indent="-857250" algn="l" defTabSz="4389120" rtl="0" eaLnBrk="1" fontAlgn="auto" latinLnBrk="0" hangingPunct="1">
-              <a:lnSpc>
-                <a:spcPct val="100000"/>
-              </a:lnSpc>
               <a:spcBef>
                 <a:spcPct val="20000"/>
               </a:spcBef>
@@ -1177,9 +1159,6 @@
           </a:p>
           <a:p>
             <a:pPr marL="857250" marR="0" lvl="0" indent="-857250" algn="l" defTabSz="4389120" rtl="0" eaLnBrk="1" fontAlgn="auto" latinLnBrk="0" hangingPunct="1">
-              <a:lnSpc>
-                <a:spcPct val="100000"/>
-              </a:lnSpc>
               <a:spcBef>
                 <a:spcPct val="20000"/>
               </a:spcBef>
@@ -1248,9 +1227,6 @@
           </a:lstStyle>
           <a:p>
             <a:pPr marL="1645920" marR="0" lvl="0" indent="-1645920" algn="ctr" defTabSz="4389120" rtl="0" eaLnBrk="1" fontAlgn="auto" latinLnBrk="0" hangingPunct="1">
-              <a:lnSpc>
-                <a:spcPct val="100000"/>
-              </a:lnSpc>
               <a:spcBef>
                 <a:spcPct val="20000"/>
               </a:spcBef>
@@ -1270,9 +1246,6 @@
           </a:p>
           <a:p>
             <a:pPr marL="1645920" marR="0" lvl="0" indent="-1645920" algn="ctr" defTabSz="4389120" rtl="0" eaLnBrk="1" fontAlgn="auto" latinLnBrk="0" hangingPunct="1">
-              <a:lnSpc>
-                <a:spcPct val="100000"/>
-              </a:lnSpc>
               <a:spcBef>
                 <a:spcPct val="20000"/>
               </a:spcBef>
@@ -1295,9 +1268,6 @@
           </a:p>
           <a:p>
             <a:pPr marL="857250" marR="0" lvl="0" indent="-857250" algn="l" defTabSz="4389120" rtl="0" eaLnBrk="1" fontAlgn="auto" latinLnBrk="0" hangingPunct="1">
-              <a:lnSpc>
-                <a:spcPct val="100000"/>
-              </a:lnSpc>
               <a:spcBef>
                 <a:spcPct val="20000"/>
               </a:spcBef>
@@ -1320,9 +1290,6 @@
           </a:p>
           <a:p>
             <a:pPr marL="857250" marR="0" lvl="0" indent="-857250" algn="l" defTabSz="4389120" rtl="0" eaLnBrk="1" fontAlgn="auto" latinLnBrk="0" hangingPunct="1">
-              <a:lnSpc>
-                <a:spcPct val="100000"/>
-              </a:lnSpc>
               <a:spcBef>
                 <a:spcPct val="20000"/>
               </a:spcBef>
@@ -1345,9 +1312,6 @@
           </a:p>
           <a:p>
             <a:pPr marL="857250" marR="0" lvl="0" indent="-857250" algn="l" defTabSz="4389120" rtl="0" eaLnBrk="1" fontAlgn="auto" latinLnBrk="0" hangingPunct="1">
-              <a:lnSpc>
-                <a:spcPct val="100000"/>
-              </a:lnSpc>
               <a:spcBef>
                 <a:spcPct val="20000"/>
               </a:spcBef>
@@ -1370,9 +1334,6 @@
           </a:p>
           <a:p>
             <a:pPr marL="857250" marR="0" lvl="0" indent="-857250" algn="l" defTabSz="4389120" rtl="0" eaLnBrk="1" fontAlgn="auto" latinLnBrk="0" hangingPunct="1">
-              <a:lnSpc>
-                <a:spcPct val="100000"/>
-              </a:lnSpc>
               <a:spcBef>
                 <a:spcPct val="20000"/>
               </a:spcBef>
@@ -1395,9 +1356,6 @@
           </a:p>
           <a:p>
             <a:pPr marL="857250" marR="0" lvl="0" indent="-857250" algn="ctr" defTabSz="4389120" rtl="0" eaLnBrk="1" fontAlgn="auto" latinLnBrk="0" hangingPunct="1">
-              <a:lnSpc>
-                <a:spcPct val="100000"/>
-              </a:lnSpc>
               <a:spcBef>
                 <a:spcPct val="20000"/>
               </a:spcBef>
@@ -1417,9 +1375,6 @@
           </a:p>
           <a:p>
             <a:pPr marL="857250" marR="0" lvl="0" indent="-857250" algn="ctr" defTabSz="4389120" rtl="0" eaLnBrk="1" fontAlgn="auto" latinLnBrk="0" hangingPunct="1">
-              <a:lnSpc>
-                <a:spcPct val="100000"/>
-              </a:lnSpc>
               <a:spcBef>
                 <a:spcPct val="20000"/>
               </a:spcBef>
@@ -1439,9 +1394,6 @@
           </a:p>
           <a:p>
             <a:pPr marL="857250" marR="0" lvl="0" indent="-857250" algn="ctr" defTabSz="4389120" rtl="0" eaLnBrk="1" fontAlgn="auto" latinLnBrk="0" hangingPunct="1">
-              <a:lnSpc>
-                <a:spcPct val="100000"/>
-              </a:lnSpc>
               <a:spcBef>
                 <a:spcPct val="20000"/>
               </a:spcBef>
@@ -1461,9 +1413,6 @@
           </a:p>
           <a:p>
             <a:pPr marR="0" lvl="0" algn="ctr" defTabSz="4389120" rtl="0" eaLnBrk="1" fontAlgn="auto" latinLnBrk="0" hangingPunct="1">
-              <a:lnSpc>
-                <a:spcPct val="100000"/>
-              </a:lnSpc>
               <a:spcBef>
                 <a:spcPct val="20000"/>
               </a:spcBef>
@@ -1481,9 +1430,6 @@
           </a:p>
           <a:p>
             <a:pPr marR="0" lvl="0" algn="ctr" defTabSz="4389120" rtl="0" eaLnBrk="1" fontAlgn="auto" latinLnBrk="0" hangingPunct="1">
-              <a:lnSpc>
-                <a:spcPct val="100000"/>
-              </a:lnSpc>
               <a:spcBef>
                 <a:spcPct val="20000"/>
               </a:spcBef>
@@ -1501,9 +1447,6 @@
           </a:p>
           <a:p>
             <a:pPr marR="0" lvl="0" algn="ctr" defTabSz="4389120" rtl="0" eaLnBrk="1" fontAlgn="auto" latinLnBrk="0" hangingPunct="1">
-              <a:lnSpc>
-                <a:spcPct val="100000"/>
-              </a:lnSpc>
               <a:spcBef>
                 <a:spcPct val="20000"/>
               </a:spcBef>
@@ -1532,9 +1475,6 @@
           </a:p>
           <a:p>
             <a:pPr marL="1645920" marR="0" lvl="0" indent="-1645920" algn="ctr" defTabSz="4389120" rtl="0" eaLnBrk="1" fontAlgn="auto" latinLnBrk="0" hangingPunct="1">
-              <a:lnSpc>
-                <a:spcPct val="100000"/>
-              </a:lnSpc>
               <a:spcBef>
                 <a:spcPct val="20000"/>
               </a:spcBef>
@@ -1554,9 +1494,6 @@
           </a:p>
           <a:p>
             <a:pPr marR="0" lvl="0" algn="ctr" defTabSz="4389120" rtl="0" eaLnBrk="1" fontAlgn="auto" latinLnBrk="0" hangingPunct="1">
-              <a:lnSpc>
-                <a:spcPct val="100000"/>
-              </a:lnSpc>
               <a:spcBef>
                 <a:spcPct val="20000"/>
               </a:spcBef>
@@ -1774,9 +1711,6 @@
           </a:lstStyle>
           <a:p>
             <a:pPr marL="1645920" marR="0" lvl="0" indent="-1645920" algn="ctr" defTabSz="4389120" rtl="0" eaLnBrk="1" fontAlgn="auto" latinLnBrk="0" hangingPunct="1">
-              <a:lnSpc>
-                <a:spcPct val="100000"/>
-              </a:lnSpc>
               <a:spcBef>
                 <a:spcPct val="20000"/>
               </a:spcBef>
@@ -1810,9 +1744,6 @@
           </a:p>
           <a:p>
             <a:pPr marL="1645920" marR="0" lvl="0" indent="-1645920" algn="ctr" defTabSz="4389120" rtl="0" eaLnBrk="1" fontAlgn="auto" latinLnBrk="0" hangingPunct="1">
-              <a:lnSpc>
-                <a:spcPct val="200000"/>
-              </a:lnSpc>
               <a:spcBef>
                 <a:spcPct val="20000"/>
               </a:spcBef>
@@ -1918,9 +1849,6 @@
           </a:lstStyle>
           <a:p>
             <a:pPr marR="0" lvl="0" algn="ctr" defTabSz="4389120" rtl="0" eaLnBrk="1" fontAlgn="auto" latinLnBrk="0" hangingPunct="1">
-              <a:lnSpc>
-                <a:spcPct val="100000"/>
-              </a:lnSpc>
               <a:spcBef>
                 <a:spcPct val="20000"/>
               </a:spcBef>
@@ -1938,9 +1866,6 @@
           </a:p>
           <a:p>
             <a:pPr marL="1645920" marR="0" lvl="0" indent="-1645920" algn="ctr" defTabSz="4389120" rtl="0" eaLnBrk="1" fontAlgn="auto" latinLnBrk="0" hangingPunct="1">
-              <a:lnSpc>
-                <a:spcPct val="100000"/>
-              </a:lnSpc>
               <a:spcBef>
                 <a:spcPct val="20000"/>
               </a:spcBef>
@@ -1974,9 +1899,6 @@
           </a:p>
           <a:p>
             <a:pPr marL="1645920" marR="0" lvl="0" indent="-1645920" algn="l" defTabSz="4389120" rtl="0" eaLnBrk="1" fontAlgn="auto" latinLnBrk="0" hangingPunct="1">
-              <a:lnSpc>
-                <a:spcPct val="100000"/>
-              </a:lnSpc>
               <a:spcBef>
                 <a:spcPct val="20000"/>
               </a:spcBef>
@@ -2016,9 +1938,6 @@
           </a:p>
           <a:p>
             <a:pPr marL="1645920" marR="0" lvl="0" indent="-1645920" algn="l" defTabSz="4389120" rtl="0" eaLnBrk="1" fontAlgn="auto" latinLnBrk="0" hangingPunct="1">
-              <a:lnSpc>
-                <a:spcPct val="100000"/>
-              </a:lnSpc>
               <a:spcBef>
                 <a:spcPct val="20000"/>
               </a:spcBef>
@@ -2051,21 +1970,12 @@
             </a:r>
           </a:p>
           <a:p>
-            <a:pPr marL="1645920" marR="0" lvl="0" indent="-1645920" algn="l" defTabSz="4389120" rtl="0" eaLnBrk="1" fontAlgn="auto" latinLnBrk="0" hangingPunct="1">
-              <a:lnSpc>
-                <a:spcPct val="100000"/>
-              </a:lnSpc>
-              <a:spcBef>
-                <a:spcPct val="20000"/>
-              </a:spcBef>
-              <a:spcAft>
-                <a:spcPts val="0"/>
-              </a:spcAft>
-              <a:buClrTx/>
-              <a:buSzTx/>
+            <a:pPr marL="1645920" indent="-1645920" algn="l">
+              <a:spcBef>
+                <a:spcPct val="20000"/>
+              </a:spcBef>
               <a:buFont typeface="Arial" panose="020B0604020202020204" pitchFamily="34" charset="0"/>
               <a:buChar char="•"/>
-              <a:tabLst/>
               <a:defRPr/>
             </a:pPr>
             <a:r>
@@ -2083,34 +1993,11 @@
                 <a:ea typeface="+mn-ea"/>
                 <a:cs typeface="+mn-cs"/>
               </a:rPr>
-              <a:t>Supports full customization of emotional categories in-app, allowing users to rename, delete, merge</a:t>
-            </a:r>
-            <a:r>
-              <a:rPr lang="en-US" sz="4800" dirty="0">
-                <a:latin typeface="+mj-lt"/>
-              </a:rPr>
-              <a:t>, or move specific surveys between categories</a:t>
-            </a:r>
-            <a:endParaRPr kumimoji="0" lang="en-US" sz="4800" i="0" strike="noStrike" kern="1200" cap="none" spc="0" normalizeH="0" baseline="0" noProof="0" dirty="0">
-              <a:ln>
-                <a:noFill/>
-              </a:ln>
-              <a:solidFill>
-                <a:schemeClr val="tx1"/>
-              </a:solidFill>
-              <a:effectLst/>
-              <a:uLnTx/>
-              <a:uFillTx/>
-              <a:latin typeface="+mj-lt"/>
-              <a:ea typeface="+mn-ea"/>
-              <a:cs typeface="+mn-cs"/>
-            </a:endParaRPr>
+              <a:t>Improved report layout for better understanding of results</a:t>
+            </a:r>
           </a:p>
           <a:p>
             <a:pPr marL="1645920" marR="0" lvl="0" indent="-1645920" algn="l" defTabSz="4389120" rtl="0" eaLnBrk="1" fontAlgn="auto" latinLnBrk="0" hangingPunct="1">
-              <a:lnSpc>
-                <a:spcPct val="100000"/>
-              </a:lnSpc>
               <a:spcBef>
                 <a:spcPct val="20000"/>
               </a:spcBef>
@@ -2139,34 +2026,20 @@
                 <a:ea typeface="+mn-ea"/>
                 <a:cs typeface="+mn-cs"/>
               </a:rPr>
-              <a:t>Improved report layout for better understanding of results</a:t>
-            </a:r>
-          </a:p>
-          <a:p>
-            <a:pPr marR="0" lvl="0" algn="ctr" defTabSz="4389120" rtl="0" eaLnBrk="1" fontAlgn="auto" latinLnBrk="0" hangingPunct="1">
-              <a:lnSpc>
-                <a:spcPct val="100000"/>
-              </a:lnSpc>
-              <a:spcBef>
-                <a:spcPct val="20000"/>
-              </a:spcBef>
-              <a:spcAft>
-                <a:spcPts val="0"/>
-              </a:spcAft>
-              <a:buClrTx/>
-              <a:buSzTx/>
-              <a:tabLst/>
-              <a:defRPr/>
-            </a:pPr>
+              <a:t>Supports full customization of emotional categories in-app, allowing users to rename, delete, merge</a:t>
+            </a:r>
+            <a:r>
+              <a:rPr lang="en-US" sz="4800" dirty="0">
+                <a:latin typeface="+mj-lt"/>
+              </a:rPr>
+              <a:t>, or move specific surveys between categories</a:t>
+            </a:r>
             <a:endParaRPr lang="en-US" sz="6000" dirty="0">
               <a:latin typeface="+mj-lt"/>
             </a:endParaRPr>
           </a:p>
           <a:p>
             <a:pPr marR="0" lvl="0" algn="ctr" defTabSz="4389120" rtl="0" eaLnBrk="1" fontAlgn="auto" latinLnBrk="0" hangingPunct="1">
-              <a:lnSpc>
-                <a:spcPct val="100000"/>
-              </a:lnSpc>
               <a:spcBef>
                 <a:spcPct val="20000"/>
               </a:spcBef>
@@ -2184,9 +2057,6 @@
           </a:p>
           <a:p>
             <a:pPr marR="0" lvl="0" algn="ctr" defTabSz="4389120" rtl="0" eaLnBrk="1" fontAlgn="auto" latinLnBrk="0" hangingPunct="1">
-              <a:lnSpc>
-                <a:spcPct val="100000"/>
-              </a:lnSpc>
               <a:spcBef>
                 <a:spcPct val="20000"/>
               </a:spcBef>
@@ -2204,9 +2074,6 @@
           </a:p>
           <a:p>
             <a:pPr marR="0" lvl="0" algn="ctr" defTabSz="4389120" rtl="0" eaLnBrk="1" fontAlgn="auto" latinLnBrk="0" hangingPunct="1">
-              <a:lnSpc>
-                <a:spcPct val="100000"/>
-              </a:lnSpc>
               <a:spcBef>
                 <a:spcPct val="20000"/>
               </a:spcBef>
@@ -2235,9 +2102,6 @@
           </a:p>
           <a:p>
             <a:pPr marL="1645920" marR="0" lvl="0" indent="-1645920" algn="ctr" defTabSz="4389120" rtl="0" eaLnBrk="1" fontAlgn="auto" latinLnBrk="0" hangingPunct="1">
-              <a:lnSpc>
-                <a:spcPct val="100000"/>
-              </a:lnSpc>
               <a:spcBef>
                 <a:spcPct val="20000"/>
               </a:spcBef>
@@ -2257,9 +2121,6 @@
           </a:p>
           <a:p>
             <a:pPr marR="0" lvl="0" algn="ctr" defTabSz="4389120" rtl="0" eaLnBrk="1" fontAlgn="auto" latinLnBrk="0" hangingPunct="1">
-              <a:lnSpc>
-                <a:spcPct val="100000"/>
-              </a:lnSpc>
               <a:spcBef>
                 <a:spcPct val="20000"/>
               </a:spcBef>
@@ -2519,9 +2380,6 @@
           </a:lstStyle>
           <a:p>
             <a:pPr marR="0" lvl="0" algn="ctr" defTabSz="4389120" rtl="0" eaLnBrk="1" fontAlgn="auto" latinLnBrk="0" hangingPunct="1">
-              <a:lnSpc>
-                <a:spcPct val="100000"/>
-              </a:lnSpc>
               <a:spcBef>
                 <a:spcPct val="20000"/>
               </a:spcBef>
@@ -2539,9 +2397,6 @@
           </a:p>
           <a:p>
             <a:pPr marL="1645920" marR="0" lvl="0" indent="-1645920" algn="ctr" defTabSz="4389120" rtl="0" eaLnBrk="1" fontAlgn="auto" latinLnBrk="0" hangingPunct="1">
-              <a:lnSpc>
-                <a:spcPct val="100000"/>
-              </a:lnSpc>
               <a:spcBef>
                 <a:spcPct val="20000"/>
               </a:spcBef>
@@ -2575,9 +2430,6 @@
           </a:p>
           <a:p>
             <a:pPr marL="1645920" marR="0" lvl="0" indent="-1645920" algn="l" defTabSz="4389120" rtl="0" eaLnBrk="1" fontAlgn="auto" latinLnBrk="0" hangingPunct="1">
-              <a:lnSpc>
-                <a:spcPct val="100000"/>
-              </a:lnSpc>
               <a:spcBef>
                 <a:spcPct val="20000"/>
               </a:spcBef>
@@ -2600,9 +2452,6 @@
           </a:p>
           <a:p>
             <a:pPr marL="1645920" marR="0" lvl="0" indent="-1645920" algn="l" defTabSz="4389120" rtl="0" eaLnBrk="1" fontAlgn="auto" latinLnBrk="0" hangingPunct="1">
-              <a:lnSpc>
-                <a:spcPct val="100000"/>
-              </a:lnSpc>
               <a:spcBef>
                 <a:spcPct val="20000"/>
               </a:spcBef>
@@ -2628,9 +2477,6 @@
           </a:p>
           <a:p>
             <a:pPr marL="1645920" marR="0" lvl="0" indent="-1645920" algn="l" defTabSz="4389120" rtl="0" eaLnBrk="1" fontAlgn="auto" latinLnBrk="0" hangingPunct="1">
-              <a:lnSpc>
-                <a:spcPct val="100000"/>
-              </a:lnSpc>
               <a:spcBef>
                 <a:spcPct val="20000"/>
               </a:spcBef>
@@ -2653,9 +2499,6 @@
           </a:p>
           <a:p>
             <a:pPr marR="0" lvl="0" algn="ctr" defTabSz="4389120" rtl="0" eaLnBrk="1" fontAlgn="auto" latinLnBrk="0" hangingPunct="1">
-              <a:lnSpc>
-                <a:spcPct val="100000"/>
-              </a:lnSpc>
               <a:spcBef>
                 <a:spcPct val="20000"/>
               </a:spcBef>
@@ -2673,9 +2516,6 @@
           </a:p>
           <a:p>
             <a:pPr marR="0" lvl="0" algn="ctr" defTabSz="4389120" rtl="0" eaLnBrk="1" fontAlgn="auto" latinLnBrk="0" hangingPunct="1">
-              <a:lnSpc>
-                <a:spcPct val="100000"/>
-              </a:lnSpc>
               <a:spcBef>
                 <a:spcPct val="20000"/>
               </a:spcBef>
@@ -2704,9 +2544,6 @@
           </a:p>
           <a:p>
             <a:pPr marL="1645920" marR="0" lvl="0" indent="-1645920" algn="ctr" defTabSz="4389120" rtl="0" eaLnBrk="1" fontAlgn="auto" latinLnBrk="0" hangingPunct="1">
-              <a:lnSpc>
-                <a:spcPct val="100000"/>
-              </a:lnSpc>
               <a:spcBef>
                 <a:spcPct val="20000"/>
               </a:spcBef>
@@ -2726,9 +2563,6 @@
           </a:p>
           <a:p>
             <a:pPr marR="0" lvl="0" algn="ctr" defTabSz="4389120" rtl="0" eaLnBrk="1" fontAlgn="auto" latinLnBrk="0" hangingPunct="1">
-              <a:lnSpc>
-                <a:spcPct val="100000"/>
-              </a:lnSpc>
               <a:spcBef>
                 <a:spcPct val="20000"/>
               </a:spcBef>
